--- a/Disused code/Misc/DLM_DFO/Lectures/1 Introduction/L1a Foreword.pptx
+++ b/Disused code/Misc/DLM_DFO/Lectures/1 Introduction/L1a Foreword.pptx
@@ -6,10 +6,10 @@
   </p:sldMasterIdLst>
   <p:sldIdLst>
     <p:sldId id="256" r:id="rId2"/>
-    <p:sldId id="257" r:id="rId3"/>
-    <p:sldId id="258" r:id="rId4"/>
-    <p:sldId id="259" r:id="rId5"/>
-    <p:sldId id="262" r:id="rId6"/>
+    <p:sldId id="263" r:id="rId3"/>
+    <p:sldId id="257" r:id="rId4"/>
+    <p:sldId id="258" r:id="rId5"/>
+    <p:sldId id="259" r:id="rId6"/>
     <p:sldId id="261" r:id="rId7"/>
     <p:sldId id="260" r:id="rId8"/>
   </p:sldIdLst>
@@ -8169,6 +8169,14 @@
 <file path=ppt/slides/slide2.xml><?xml version="1.0" encoding="utf-8"?>
 <p:sld xmlns:a="http://schemas.openxmlformats.org/drawingml/2006/main" xmlns:r="http://schemas.openxmlformats.org/officeDocument/2006/relationships" xmlns:p="http://schemas.openxmlformats.org/presentationml/2006/main">
   <p:cSld>
+    <p:bg>
+      <p:bgPr>
+        <a:solidFill>
+          <a:schemeClr val="tx1"/>
+        </a:solidFill>
+        <a:effectLst/>
+      </p:bgPr>
+    </p:bg>
     <p:spTree>
       <p:nvGrpSpPr>
         <p:cNvPr id="1" name=""/>
@@ -8185,152 +8193,791 @@
       </p:grpSpPr>
       <p:sp>
         <p:nvSpPr>
-          <p:cNvPr id="12290" name="Title 1"/>
-          <p:cNvSpPr>
-            <a:spLocks noGrp="1"/>
-          </p:cNvSpPr>
-          <p:nvPr>
-            <p:ph type="title"/>
-          </p:nvPr>
-        </p:nvSpPr>
-        <p:spPr/>
-        <p:txBody>
-          <a:bodyPr/>
-          <a:lstStyle/>
-          <a:p>
-            <a:r>
-              <a:rPr lang="en-CA" altLang="en-US" dirty="0"/>
-              <a:t>Training Objectives </a:t>
-            </a:r>
-          </a:p>
-        </p:txBody>
-      </p:sp>
-      <p:sp>
-        <p:nvSpPr>
-          <p:cNvPr id="3" name="Content Placeholder 2"/>
-          <p:cNvSpPr>
-            <a:spLocks noGrp="1"/>
-          </p:cNvSpPr>
-          <p:nvPr>
-            <p:ph idx="1"/>
-          </p:nvPr>
-        </p:nvSpPr>
+          <p:cNvPr id="6" name="Content Placeholder 2">
+            <a:extLst>
+              <a:ext uri="{FF2B5EF4-FFF2-40B4-BE49-F238E27FC236}">
+                <a16:creationId xmlns:a16="http://schemas.microsoft.com/office/drawing/2014/main" id="{67101652-5D7B-471B-A4AA-F580A3C80EA3}"/>
+              </a:ext>
+            </a:extLst>
+          </p:cNvPr>
+          <p:cNvSpPr txBox="1">
+            <a:spLocks/>
+          </p:cNvSpPr>
+          <p:nvPr/>
+        </p:nvSpPr>
+        <p:spPr bwMode="auto">
+          <a:xfrm>
+            <a:off x="739487" y="966642"/>
+            <a:ext cx="7675562" cy="5503177"/>
+          </a:xfrm>
+          <a:prstGeom prst="rect">
+            <a:avLst/>
+          </a:prstGeom>
+          <a:solidFill>
+            <a:schemeClr val="tx1"/>
+          </a:solidFill>
+          <a:ln>
+            <a:noFill/>
+          </a:ln>
+          <a:extLst/>
+        </p:spPr>
+        <p:txBody>
+          <a:bodyPr vert="horz" wrap="square" lIns="91440" tIns="45720" rIns="91440" bIns="45720" numCol="1" anchor="t" anchorCtr="0" compatLnSpc="1">
+            <a:prstTxWarp prst="textNoShape">
+              <a:avLst/>
+            </a:prstTxWarp>
+          </a:bodyPr>
+          <a:lstStyle>
+            <a:lvl1pPr marL="171450" indent="-171450" algn="l" defTabSz="685800" rtl="0" fontAlgn="base">
+              <a:lnSpc>
+                <a:spcPct val="90000"/>
+              </a:lnSpc>
+              <a:spcBef>
+                <a:spcPts val="1000"/>
+              </a:spcBef>
+              <a:spcAft>
+                <a:spcPct val="0"/>
+              </a:spcAft>
+              <a:buFont typeface="Arial" charset="0"/>
+              <a:buChar char="•"/>
+              <a:defRPr sz="2400" kern="1200">
+                <a:solidFill>
+                  <a:srgbClr val="126D96"/>
+                </a:solidFill>
+                <a:latin typeface="+mn-lt"/>
+                <a:ea typeface="+mn-ea"/>
+                <a:cs typeface="+mn-cs"/>
+              </a:defRPr>
+            </a:lvl1pPr>
+            <a:lvl2pPr marL="514350" indent="-171450" algn="l" defTabSz="685800" rtl="0" fontAlgn="base">
+              <a:lnSpc>
+                <a:spcPct val="90000"/>
+              </a:lnSpc>
+              <a:spcBef>
+                <a:spcPts val="375"/>
+              </a:spcBef>
+              <a:spcAft>
+                <a:spcPct val="0"/>
+              </a:spcAft>
+              <a:buFont typeface="Arial" charset="0"/>
+              <a:buChar char="•"/>
+              <a:defRPr sz="2000" kern="1200">
+                <a:solidFill>
+                  <a:srgbClr val="126D96"/>
+                </a:solidFill>
+                <a:latin typeface="+mn-lt"/>
+                <a:ea typeface="+mn-ea"/>
+                <a:cs typeface="+mn-cs"/>
+              </a:defRPr>
+            </a:lvl2pPr>
+            <a:lvl3pPr marL="857250" indent="-171450" algn="l" defTabSz="685800" rtl="0" fontAlgn="base">
+              <a:lnSpc>
+                <a:spcPct val="90000"/>
+              </a:lnSpc>
+              <a:spcBef>
+                <a:spcPts val="375"/>
+              </a:spcBef>
+              <a:spcAft>
+                <a:spcPct val="0"/>
+              </a:spcAft>
+              <a:buFont typeface="Arial" charset="0"/>
+              <a:buChar char="•"/>
+              <a:defRPr sz="1600" kern="1200">
+                <a:solidFill>
+                  <a:srgbClr val="126D96"/>
+                </a:solidFill>
+                <a:latin typeface="+mn-lt"/>
+                <a:ea typeface="+mn-ea"/>
+                <a:cs typeface="+mn-cs"/>
+              </a:defRPr>
+            </a:lvl3pPr>
+            <a:lvl4pPr marL="1200150" indent="-171450" algn="l" defTabSz="685800" rtl="0" fontAlgn="base">
+              <a:lnSpc>
+                <a:spcPct val="90000"/>
+              </a:lnSpc>
+              <a:spcBef>
+                <a:spcPts val="375"/>
+              </a:spcBef>
+              <a:spcAft>
+                <a:spcPct val="0"/>
+              </a:spcAft>
+              <a:buFont typeface="Arial" charset="0"/>
+              <a:buChar char="•"/>
+              <a:defRPr sz="1400" kern="1200">
+                <a:solidFill>
+                  <a:srgbClr val="126D96"/>
+                </a:solidFill>
+                <a:latin typeface="+mn-lt"/>
+                <a:ea typeface="+mn-ea"/>
+                <a:cs typeface="+mn-cs"/>
+              </a:defRPr>
+            </a:lvl4pPr>
+            <a:lvl5pPr marL="1543050" indent="-171450" algn="l" defTabSz="685800" rtl="0" fontAlgn="base">
+              <a:lnSpc>
+                <a:spcPct val="90000"/>
+              </a:lnSpc>
+              <a:spcBef>
+                <a:spcPts val="375"/>
+              </a:spcBef>
+              <a:spcAft>
+                <a:spcPct val="0"/>
+              </a:spcAft>
+              <a:buFont typeface="Arial" charset="0"/>
+              <a:buChar char="•"/>
+              <a:defRPr sz="1400" kern="1200">
+                <a:solidFill>
+                  <a:srgbClr val="126D96"/>
+                </a:solidFill>
+                <a:latin typeface="+mn-lt"/>
+                <a:ea typeface="+mn-ea"/>
+                <a:cs typeface="+mn-cs"/>
+              </a:defRPr>
+            </a:lvl5pPr>
+            <a:lvl6pPr marL="1885950" indent="-171450" algn="l" defTabSz="685800" rtl="0" eaLnBrk="1" latinLnBrk="0" hangingPunct="1">
+              <a:lnSpc>
+                <a:spcPct val="90000"/>
+              </a:lnSpc>
+              <a:spcBef>
+                <a:spcPts val="375"/>
+              </a:spcBef>
+              <a:buFont typeface="Arial" panose="020B0604020202020204" pitchFamily="34" charset="0"/>
+              <a:buChar char="•"/>
+              <a:defRPr sz="1350" kern="1200">
+                <a:solidFill>
+                  <a:schemeClr val="tx1"/>
+                </a:solidFill>
+                <a:latin typeface="+mn-lt"/>
+                <a:ea typeface="+mn-ea"/>
+                <a:cs typeface="+mn-cs"/>
+              </a:defRPr>
+            </a:lvl6pPr>
+            <a:lvl7pPr marL="2228850" indent="-171450" algn="l" defTabSz="685800" rtl="0" eaLnBrk="1" latinLnBrk="0" hangingPunct="1">
+              <a:lnSpc>
+                <a:spcPct val="90000"/>
+              </a:lnSpc>
+              <a:spcBef>
+                <a:spcPts val="375"/>
+              </a:spcBef>
+              <a:buFont typeface="Arial" panose="020B0604020202020204" pitchFamily="34" charset="0"/>
+              <a:buChar char="•"/>
+              <a:defRPr sz="1350" kern="1200">
+                <a:solidFill>
+                  <a:schemeClr val="tx1"/>
+                </a:solidFill>
+                <a:latin typeface="+mn-lt"/>
+                <a:ea typeface="+mn-ea"/>
+                <a:cs typeface="+mn-cs"/>
+              </a:defRPr>
+            </a:lvl7pPr>
+            <a:lvl8pPr marL="2571750" indent="-171450" algn="l" defTabSz="685800" rtl="0" eaLnBrk="1" latinLnBrk="0" hangingPunct="1">
+              <a:lnSpc>
+                <a:spcPct val="90000"/>
+              </a:lnSpc>
+              <a:spcBef>
+                <a:spcPts val="375"/>
+              </a:spcBef>
+              <a:buFont typeface="Arial" panose="020B0604020202020204" pitchFamily="34" charset="0"/>
+              <a:buChar char="•"/>
+              <a:defRPr sz="1350" kern="1200">
+                <a:solidFill>
+                  <a:schemeClr val="tx1"/>
+                </a:solidFill>
+                <a:latin typeface="+mn-lt"/>
+                <a:ea typeface="+mn-ea"/>
+                <a:cs typeface="+mn-cs"/>
+              </a:defRPr>
+            </a:lvl8pPr>
+            <a:lvl9pPr marL="2914650" indent="-171450" algn="l" defTabSz="685800" rtl="0" eaLnBrk="1" latinLnBrk="0" hangingPunct="1">
+              <a:lnSpc>
+                <a:spcPct val="90000"/>
+              </a:lnSpc>
+              <a:spcBef>
+                <a:spcPts val="375"/>
+              </a:spcBef>
+              <a:buFont typeface="Arial" panose="020B0604020202020204" pitchFamily="34" charset="0"/>
+              <a:buChar char="•"/>
+              <a:defRPr sz="1350" kern="1200">
+                <a:solidFill>
+                  <a:schemeClr val="tx1"/>
+                </a:solidFill>
+                <a:latin typeface="+mn-lt"/>
+                <a:ea typeface="+mn-ea"/>
+                <a:cs typeface="+mn-cs"/>
+              </a:defRPr>
+            </a:lvl9pPr>
+          </a:lstStyle>
+          <a:p>
+            <a:pPr marL="0" indent="0" algn="ctr">
+              <a:spcBef>
+                <a:spcPts val="800"/>
+              </a:spcBef>
+              <a:buFont typeface="Arial" charset="0"/>
+              <a:buNone/>
+            </a:pPr>
+            <a:r>
+              <a:rPr lang="en-CA" dirty="0">
+                <a:solidFill>
+                  <a:schemeClr val="bg1"/>
+                </a:solidFill>
+              </a:rPr>
+              <a:t>Course concept and proposal</a:t>
+            </a:r>
+          </a:p>
+          <a:p>
+            <a:pPr marL="0" indent="0" algn="ctr">
+              <a:spcBef>
+                <a:spcPts val="800"/>
+              </a:spcBef>
+              <a:buFont typeface="Arial" charset="0"/>
+              <a:buNone/>
+            </a:pPr>
+            <a:r>
+              <a:rPr lang="en-CA" b="1" dirty="0">
+                <a:solidFill>
+                  <a:schemeClr val="bg1"/>
+                </a:solidFill>
+              </a:rPr>
+              <a:t>Steven </a:t>
+            </a:r>
+            <a:r>
+              <a:rPr lang="en-CA" b="1" dirty="0" err="1">
+                <a:solidFill>
+                  <a:schemeClr val="bg1"/>
+                </a:solidFill>
+              </a:rPr>
+              <a:t>Schut</a:t>
+            </a:r>
+            <a:endParaRPr lang="en-CA" b="1" dirty="0">
+              <a:solidFill>
+                <a:schemeClr val="bg1"/>
+              </a:solidFill>
+            </a:endParaRPr>
+          </a:p>
+          <a:p>
+            <a:pPr marL="0" indent="0" algn="ctr">
+              <a:spcBef>
+                <a:spcPts val="800"/>
+              </a:spcBef>
+              <a:buFont typeface="Arial" charset="0"/>
+              <a:buNone/>
+            </a:pPr>
+            <a:endParaRPr lang="en-CA" sz="200" dirty="0">
+              <a:solidFill>
+                <a:schemeClr val="bg1"/>
+              </a:solidFill>
+            </a:endParaRPr>
+          </a:p>
+          <a:p>
+            <a:pPr marL="0" indent="0" algn="ctr">
+              <a:spcBef>
+                <a:spcPts val="800"/>
+              </a:spcBef>
+              <a:buFont typeface="Arial" charset="0"/>
+              <a:buNone/>
+            </a:pPr>
+            <a:r>
+              <a:rPr lang="en-CA" dirty="0">
+                <a:solidFill>
+                  <a:schemeClr val="bg1"/>
+                </a:solidFill>
+              </a:rPr>
+              <a:t>Course delivery and organization</a:t>
+            </a:r>
+          </a:p>
+          <a:p>
+            <a:pPr marL="0" indent="0" algn="ctr">
+              <a:spcBef>
+                <a:spcPts val="800"/>
+              </a:spcBef>
+              <a:buFont typeface="Arial" charset="0"/>
+              <a:buNone/>
+            </a:pPr>
+            <a:r>
+              <a:rPr lang="en-CA" b="1" dirty="0">
+                <a:solidFill>
+                  <a:schemeClr val="bg1"/>
+                </a:solidFill>
+              </a:rPr>
+              <a:t>Daniel </a:t>
+            </a:r>
+            <a:r>
+              <a:rPr lang="en-CA" b="1" dirty="0" err="1">
+                <a:solidFill>
+                  <a:schemeClr val="bg1"/>
+                </a:solidFill>
+              </a:rPr>
+              <a:t>Duplisea</a:t>
+            </a:r>
+            <a:endParaRPr lang="en-CA" b="1" dirty="0">
+              <a:solidFill>
+                <a:schemeClr val="bg1"/>
+              </a:solidFill>
+            </a:endParaRPr>
+          </a:p>
+          <a:p>
+            <a:pPr marL="0" indent="0" algn="ctr">
+              <a:spcBef>
+                <a:spcPts val="800"/>
+              </a:spcBef>
+              <a:buFont typeface="Arial" charset="0"/>
+              <a:buNone/>
+            </a:pPr>
+            <a:r>
+              <a:rPr lang="en-CA" b="1" dirty="0">
+                <a:solidFill>
+                  <a:schemeClr val="bg1"/>
+                </a:solidFill>
+              </a:rPr>
+              <a:t>Susan Thompson</a:t>
+            </a:r>
+          </a:p>
+          <a:p>
+            <a:pPr marL="0" indent="0" algn="ctr">
+              <a:spcBef>
+                <a:spcPts val="800"/>
+              </a:spcBef>
+              <a:buFont typeface="Arial" charset="0"/>
+              <a:buNone/>
+            </a:pPr>
+            <a:endParaRPr lang="en-CA" dirty="0">
+              <a:solidFill>
+                <a:schemeClr val="bg1"/>
+              </a:solidFill>
+            </a:endParaRPr>
+          </a:p>
+          <a:p>
+            <a:pPr marL="0" indent="0" algn="ctr">
+              <a:spcBef>
+                <a:spcPts val="800"/>
+              </a:spcBef>
+              <a:buFont typeface="Arial" charset="0"/>
+              <a:buNone/>
+            </a:pPr>
+            <a:r>
+              <a:rPr lang="en-CA" dirty="0">
+                <a:solidFill>
+                  <a:schemeClr val="bg1"/>
+                </a:solidFill>
+              </a:rPr>
+              <a:t>A much larger DFO – DLMtool project</a:t>
+            </a:r>
+          </a:p>
+          <a:p>
+            <a:pPr marL="0" indent="0" algn="ctr">
+              <a:spcBef>
+                <a:spcPts val="800"/>
+              </a:spcBef>
+              <a:buFont typeface="Arial" charset="0"/>
+              <a:buNone/>
+            </a:pPr>
+            <a:r>
+              <a:rPr lang="en-CA" b="1" dirty="0">
+                <a:solidFill>
+                  <a:schemeClr val="bg1"/>
+                </a:solidFill>
+              </a:rPr>
+              <a:t>Robyn Forrest</a:t>
+            </a:r>
+          </a:p>
+          <a:p>
+            <a:pPr marL="0" indent="0" algn="ctr">
+              <a:spcBef>
+                <a:spcPts val="800"/>
+              </a:spcBef>
+              <a:buFont typeface="Arial" charset="0"/>
+              <a:buNone/>
+            </a:pPr>
+            <a:endParaRPr lang="en-CA" b="1" dirty="0">
+              <a:solidFill>
+                <a:schemeClr val="bg1"/>
+              </a:solidFill>
+            </a:endParaRPr>
+          </a:p>
+          <a:p>
+            <a:pPr marL="0" indent="0" algn="ctr">
+              <a:spcBef>
+                <a:spcPts val="800"/>
+              </a:spcBef>
+              <a:buFont typeface="Arial" charset="0"/>
+              <a:buNone/>
+            </a:pPr>
+            <a:r>
+              <a:rPr lang="en-CA" dirty="0">
+                <a:solidFill>
+                  <a:schemeClr val="bg1"/>
+                </a:solidFill>
+              </a:rPr>
+              <a:t>DLMtool</a:t>
+            </a:r>
+          </a:p>
+          <a:p>
+            <a:pPr marL="0" indent="0" algn="ctr">
+              <a:buFont typeface="Arial" charset="0"/>
+              <a:buNone/>
+            </a:pPr>
+            <a:endParaRPr lang="en-CA" dirty="0">
+              <a:solidFill>
+                <a:schemeClr val="bg1"/>
+              </a:solidFill>
+            </a:endParaRPr>
+          </a:p>
+          <a:p>
+            <a:pPr marL="0" indent="0" algn="ctr">
+              <a:buFont typeface="Arial" charset="0"/>
+              <a:buNone/>
+            </a:pPr>
+            <a:r>
+              <a:rPr lang="en-CA" b="1" dirty="0">
+                <a:solidFill>
+                  <a:schemeClr val="bg1"/>
+                </a:solidFill>
+              </a:rPr>
+              <a:t> </a:t>
+            </a:r>
+            <a:endParaRPr lang="en-US" b="1" dirty="0">
+              <a:solidFill>
+                <a:schemeClr val="bg1"/>
+              </a:solidFill>
+            </a:endParaRPr>
+          </a:p>
+        </p:txBody>
+      </p:sp>
+      <p:pic>
+        <p:nvPicPr>
+          <p:cNvPr id="9" name="Picture 5">
+            <a:extLst>
+              <a:ext uri="{FF2B5EF4-FFF2-40B4-BE49-F238E27FC236}">
+                <a16:creationId xmlns:a16="http://schemas.microsoft.com/office/drawing/2014/main" id="{D00C79EF-4541-4F63-AE8B-9DEE223B0694}"/>
+              </a:ext>
+            </a:extLst>
+          </p:cNvPr>
+          <p:cNvPicPr>
+            <a:picLocks noChangeAspect="1"/>
+          </p:cNvPicPr>
+          <p:nvPr/>
+        </p:nvPicPr>
+        <p:blipFill>
+          <a:blip r:embed="rId2">
+            <a:extLst>
+              <a:ext uri="{28A0092B-C50C-407E-A947-70E740481C1C}">
+                <a14:useLocalDpi xmlns:a14="http://schemas.microsoft.com/office/drawing/2010/main" val="0"/>
+              </a:ext>
+            </a:extLst>
+          </a:blip>
+          <a:srcRect/>
+          <a:stretch>
+            <a:fillRect/>
+          </a:stretch>
+        </p:blipFill>
+        <p:spPr bwMode="auto">
+          <a:xfrm>
+            <a:off x="1036191" y="5271110"/>
+            <a:ext cx="974401" cy="1134420"/>
+          </a:xfrm>
+          <a:prstGeom prst="rect">
+            <a:avLst/>
+          </a:prstGeom>
+          <a:noFill/>
+          <a:ln>
+            <a:noFill/>
+          </a:ln>
+          <a:extLst>
+            <a:ext uri="{909E8E84-426E-40DD-AFC4-6F175D3DCCD1}">
+              <a14:hiddenFill xmlns:a14="http://schemas.microsoft.com/office/drawing/2010/main">
+                <a:solidFill>
+                  <a:srgbClr val="FFFFFF"/>
+                </a:solidFill>
+              </a14:hiddenFill>
+            </a:ext>
+            <a:ext uri="{91240B29-F687-4F45-9708-019B960494DF}">
+              <a14:hiddenLine xmlns:a14="http://schemas.microsoft.com/office/drawing/2010/main" w="9525">
+                <a:solidFill>
+                  <a:srgbClr val="000000"/>
+                </a:solidFill>
+                <a:miter lim="800000"/>
+                <a:headEnd/>
+                <a:tailEnd/>
+              </a14:hiddenLine>
+            </a:ext>
+          </a:extLst>
+        </p:spPr>
+      </p:pic>
+      <p:pic>
+        <p:nvPicPr>
+          <p:cNvPr id="10" name="Picture 9">
+            <a:extLst>
+              <a:ext uri="{FF2B5EF4-FFF2-40B4-BE49-F238E27FC236}">
+                <a16:creationId xmlns:a16="http://schemas.microsoft.com/office/drawing/2014/main" id="{16398D8E-B0AA-4178-868F-109F6E8CFC23}"/>
+              </a:ext>
+            </a:extLst>
+          </p:cNvPr>
+          <p:cNvPicPr>
+            <a:picLocks noChangeAspect="1"/>
+          </p:cNvPicPr>
+          <p:nvPr/>
+        </p:nvPicPr>
+        <p:blipFill>
+          <a:blip r:embed="rId3"/>
+          <a:stretch>
+            <a:fillRect/>
+          </a:stretch>
+        </p:blipFill>
         <p:spPr>
           <a:xfrm>
-            <a:off x="893763" y="1714499"/>
-            <a:ext cx="7675562" cy="4551829"/>
+            <a:off x="6947191" y="5496909"/>
+            <a:ext cx="1112276" cy="834208"/>
           </a:xfrm>
+          <a:prstGeom prst="rect">
+            <a:avLst/>
+          </a:prstGeom>
         </p:spPr>
-        <p:txBody>
-          <a:bodyPr rtlCol="0">
-            <a:normAutofit fontScale="92500"/>
-          </a:bodyPr>
-          <a:lstStyle/>
-          <a:p>
-            <a:pPr fontAlgn="auto">
-              <a:spcBef>
-                <a:spcPts val="3000"/>
-              </a:spcBef>
-              <a:spcAft>
-                <a:spcPts val="0"/>
-              </a:spcAft>
-              <a:buFont typeface="Arial" panose="020B0604020202020204" pitchFamily="34" charset="0"/>
-              <a:buChar char="•"/>
-              <a:defRPr/>
-            </a:pPr>
-            <a:r>
-              <a:rPr lang="en-CA" dirty="0"/>
-              <a:t>Familiarity with Management Strategy Evaluation concepts</a:t>
-            </a:r>
-          </a:p>
-          <a:p>
-            <a:pPr fontAlgn="auto">
-              <a:spcBef>
-                <a:spcPts val="3000"/>
-              </a:spcBef>
-              <a:spcAft>
-                <a:spcPts val="0"/>
-              </a:spcAft>
-              <a:buFont typeface="Arial" panose="020B0604020202020204" pitchFamily="34" charset="0"/>
-              <a:buChar char="•"/>
-              <a:defRPr/>
-            </a:pPr>
-            <a:r>
-              <a:rPr lang="en-CA" dirty="0"/>
-              <a:t>Understanding the data-limited management problem</a:t>
-            </a:r>
-          </a:p>
-          <a:p>
-            <a:pPr fontAlgn="auto">
-              <a:spcBef>
-                <a:spcPts val="3000"/>
-              </a:spcBef>
-              <a:spcAft>
-                <a:spcPts val="0"/>
-              </a:spcAft>
-              <a:buFont typeface="Arial" panose="020B0604020202020204" pitchFamily="34" charset="0"/>
-              <a:buChar char="•"/>
-              <a:defRPr/>
-            </a:pPr>
-            <a:r>
-              <a:rPr lang="en-CA" dirty="0"/>
-              <a:t>Evaluating management procedures</a:t>
-            </a:r>
-          </a:p>
-          <a:p>
-            <a:pPr fontAlgn="auto">
-              <a:spcBef>
-                <a:spcPts val="3000"/>
-              </a:spcBef>
-              <a:spcAft>
-                <a:spcPts val="0"/>
-              </a:spcAft>
-              <a:buFont typeface="Arial" panose="020B0604020202020204" pitchFamily="34" charset="0"/>
-              <a:buChar char="•"/>
-              <a:defRPr/>
-            </a:pPr>
-            <a:r>
-              <a:rPr lang="en-CA" dirty="0"/>
-              <a:t>Making management recommendations with DLMtool</a:t>
-            </a:r>
-          </a:p>
-          <a:p>
-            <a:pPr fontAlgn="auto">
-              <a:spcBef>
-                <a:spcPts val="3000"/>
-              </a:spcBef>
-              <a:spcAft>
-                <a:spcPts val="0"/>
-              </a:spcAft>
-              <a:buFont typeface="Arial" panose="020B0604020202020204" pitchFamily="34" charset="0"/>
-              <a:buChar char="•"/>
-              <a:defRPr/>
-            </a:pPr>
-            <a:r>
-              <a:rPr lang="en-CA" dirty="0"/>
-              <a:t>Gain an understanding of how (whether) DLMtool can be used to address fishery management problems you are facing</a:t>
-            </a:r>
-          </a:p>
-          <a:p>
-            <a:pPr fontAlgn="auto">
-              <a:spcBef>
-                <a:spcPts val="3000"/>
-              </a:spcBef>
-              <a:spcAft>
-                <a:spcPts val="0"/>
-              </a:spcAft>
-              <a:buFont typeface="Arial" panose="020B0604020202020204" pitchFamily="34" charset="0"/>
-              <a:buChar char="•"/>
-              <a:defRPr/>
-            </a:pPr>
-            <a:r>
-              <a:rPr lang="en-CA" dirty="0"/>
-              <a:t>Get feedback from you about desirable features </a:t>
-            </a:r>
-          </a:p>
-        </p:txBody>
-      </p:sp>
+      </p:pic>
+      <p:pic>
+        <p:nvPicPr>
+          <p:cNvPr id="11" name="Picture 2">
+            <a:extLst>
+              <a:ext uri="{FF2B5EF4-FFF2-40B4-BE49-F238E27FC236}">
+                <a16:creationId xmlns:a16="http://schemas.microsoft.com/office/drawing/2014/main" id="{DF10376F-6294-4C01-9386-355340B3C192}"/>
+              </a:ext>
+            </a:extLst>
+          </p:cNvPr>
+          <p:cNvPicPr>
+            <a:picLocks noChangeAspect="1" noChangeArrowheads="1"/>
+          </p:cNvPicPr>
+          <p:nvPr/>
+        </p:nvPicPr>
+        <p:blipFill>
+          <a:blip r:embed="rId4" cstate="print">
+            <a:extLst>
+              <a:ext uri="{28A0092B-C50C-407E-A947-70E740481C1C}">
+                <a14:useLocalDpi xmlns:a14="http://schemas.microsoft.com/office/drawing/2010/main" val="0"/>
+              </a:ext>
+            </a:extLst>
+          </a:blip>
+          <a:srcRect/>
+          <a:stretch>
+            <a:fillRect/>
+          </a:stretch>
+        </p:blipFill>
+        <p:spPr bwMode="auto">
+          <a:xfrm>
+            <a:off x="2270985" y="5388264"/>
+            <a:ext cx="901700" cy="900112"/>
+          </a:xfrm>
+          <a:prstGeom prst="rect">
+            <a:avLst/>
+          </a:prstGeom>
+          <a:noFill/>
+          <a:ln>
+            <a:noFill/>
+          </a:ln>
+          <a:extLst>
+            <a:ext uri="{909E8E84-426E-40DD-AFC4-6F175D3DCCD1}">
+              <a14:hiddenFill xmlns:a14="http://schemas.microsoft.com/office/drawing/2010/main">
+                <a:solidFill>
+                  <a:schemeClr val="accent1"/>
+                </a:solidFill>
+              </a14:hiddenFill>
+            </a:ext>
+            <a:ext uri="{91240B29-F687-4F45-9708-019B960494DF}">
+              <a14:hiddenLine xmlns:a14="http://schemas.microsoft.com/office/drawing/2010/main" w="9525">
+                <a:solidFill>
+                  <a:schemeClr val="tx1"/>
+                </a:solidFill>
+                <a:miter lim="800000"/>
+                <a:headEnd/>
+                <a:tailEnd/>
+              </a14:hiddenLine>
+            </a:ext>
+          </a:extLst>
+        </p:spPr>
+      </p:pic>
+      <p:pic>
+        <p:nvPicPr>
+          <p:cNvPr id="12" name="Picture 4">
+            <a:extLst>
+              <a:ext uri="{FF2B5EF4-FFF2-40B4-BE49-F238E27FC236}">
+                <a16:creationId xmlns:a16="http://schemas.microsoft.com/office/drawing/2014/main" id="{6106D98E-2D30-4109-BBB0-5768FBFB8ED4}"/>
+              </a:ext>
+            </a:extLst>
+          </p:cNvPr>
+          <p:cNvPicPr>
+            <a:picLocks noChangeAspect="1" noChangeArrowheads="1"/>
+          </p:cNvPicPr>
+          <p:nvPr/>
+        </p:nvPicPr>
+        <p:blipFill>
+          <a:blip r:embed="rId5">
+            <a:extLst>
+              <a:ext uri="{28A0092B-C50C-407E-A947-70E740481C1C}">
+                <a14:useLocalDpi xmlns:a14="http://schemas.microsoft.com/office/drawing/2010/main" val="0"/>
+              </a:ext>
+            </a:extLst>
+          </a:blip>
+          <a:srcRect/>
+          <a:stretch>
+            <a:fillRect/>
+          </a:stretch>
+        </p:blipFill>
+        <p:spPr bwMode="auto">
+          <a:xfrm>
+            <a:off x="3512254" y="5428208"/>
+            <a:ext cx="680484" cy="900112"/>
+          </a:xfrm>
+          <a:prstGeom prst="rect">
+            <a:avLst/>
+          </a:prstGeom>
+          <a:noFill/>
+          <a:ln>
+            <a:noFill/>
+          </a:ln>
+          <a:extLst>
+            <a:ext uri="{909E8E84-426E-40DD-AFC4-6F175D3DCCD1}">
+              <a14:hiddenFill xmlns:a14="http://schemas.microsoft.com/office/drawing/2010/main">
+                <a:solidFill>
+                  <a:schemeClr val="accent1"/>
+                </a:solidFill>
+              </a14:hiddenFill>
+            </a:ext>
+            <a:ext uri="{91240B29-F687-4F45-9708-019B960494DF}">
+              <a14:hiddenLine xmlns:a14="http://schemas.microsoft.com/office/drawing/2010/main" w="9525">
+                <a:solidFill>
+                  <a:schemeClr val="tx1"/>
+                </a:solidFill>
+                <a:miter lim="800000"/>
+                <a:headEnd/>
+                <a:tailEnd/>
+              </a14:hiddenLine>
+            </a:ext>
+          </a:extLst>
+        </p:spPr>
+      </p:pic>
+      <p:pic>
+        <p:nvPicPr>
+          <p:cNvPr id="13" name="Picture 3">
+            <a:extLst>
+              <a:ext uri="{FF2B5EF4-FFF2-40B4-BE49-F238E27FC236}">
+                <a16:creationId xmlns:a16="http://schemas.microsoft.com/office/drawing/2014/main" id="{617E2233-0A57-4B19-9EA4-63A7CEC901AB}"/>
+              </a:ext>
+            </a:extLst>
+          </p:cNvPr>
+          <p:cNvPicPr>
+            <a:picLocks noChangeAspect="1" noChangeArrowheads="1"/>
+          </p:cNvPicPr>
+          <p:nvPr/>
+        </p:nvPicPr>
+        <p:blipFill>
+          <a:blip r:embed="rId6" cstate="print">
+            <a:extLst>
+              <a:ext uri="{28A0092B-C50C-407E-A947-70E740481C1C}">
+                <a14:useLocalDpi xmlns:a14="http://schemas.microsoft.com/office/drawing/2010/main" val="0"/>
+              </a:ext>
+            </a:extLst>
+          </a:blip>
+          <a:srcRect/>
+          <a:stretch>
+            <a:fillRect/>
+          </a:stretch>
+        </p:blipFill>
+        <p:spPr bwMode="auto">
+          <a:xfrm>
+            <a:off x="5635654" y="5496909"/>
+            <a:ext cx="955955" cy="682825"/>
+          </a:xfrm>
+          <a:prstGeom prst="rect">
+            <a:avLst/>
+          </a:prstGeom>
+          <a:noFill/>
+          <a:ln>
+            <a:noFill/>
+          </a:ln>
+          <a:extLst>
+            <a:ext uri="{909E8E84-426E-40DD-AFC4-6F175D3DCCD1}">
+              <a14:hiddenFill xmlns:a14="http://schemas.microsoft.com/office/drawing/2010/main">
+                <a:solidFill>
+                  <a:schemeClr val="accent1"/>
+                </a:solidFill>
+              </a14:hiddenFill>
+            </a:ext>
+            <a:ext uri="{91240B29-F687-4F45-9708-019B960494DF}">
+              <a14:hiddenLine xmlns:a14="http://schemas.microsoft.com/office/drawing/2010/main" w="9525">
+                <a:solidFill>
+                  <a:schemeClr val="tx1"/>
+                </a:solidFill>
+                <a:miter lim="800000"/>
+                <a:headEnd/>
+                <a:tailEnd/>
+              </a14:hiddenLine>
+            </a:ext>
+          </a:extLst>
+        </p:spPr>
+      </p:pic>
+      <p:pic>
+        <p:nvPicPr>
+          <p:cNvPr id="14" name="Picture 4">
+            <a:extLst>
+              <a:ext uri="{FF2B5EF4-FFF2-40B4-BE49-F238E27FC236}">
+                <a16:creationId xmlns:a16="http://schemas.microsoft.com/office/drawing/2014/main" id="{F733CF6F-26B0-4177-8BE7-03A93791A565}"/>
+              </a:ext>
+            </a:extLst>
+          </p:cNvPr>
+          <p:cNvPicPr>
+            <a:picLocks noChangeAspect="1" noChangeArrowheads="1"/>
+          </p:cNvPicPr>
+          <p:nvPr/>
+        </p:nvPicPr>
+        <p:blipFill>
+          <a:blip r:embed="rId7">
+            <a:extLst>
+              <a:ext uri="{28A0092B-C50C-407E-A947-70E740481C1C}">
+                <a14:useLocalDpi xmlns:a14="http://schemas.microsoft.com/office/drawing/2010/main" val="0"/>
+              </a:ext>
+            </a:extLst>
+          </a:blip>
+          <a:srcRect/>
+          <a:stretch>
+            <a:fillRect/>
+          </a:stretch>
+        </p:blipFill>
+        <p:spPr bwMode="auto">
+          <a:xfrm>
+            <a:off x="4548082" y="5450254"/>
+            <a:ext cx="776133" cy="776133"/>
+          </a:xfrm>
+          <a:prstGeom prst="rect">
+            <a:avLst/>
+          </a:prstGeom>
+          <a:noFill/>
+          <a:ln>
+            <a:noFill/>
+          </a:ln>
+          <a:extLst>
+            <a:ext uri="{909E8E84-426E-40DD-AFC4-6F175D3DCCD1}">
+              <a14:hiddenFill xmlns:a14="http://schemas.microsoft.com/office/drawing/2010/main">
+                <a:solidFill>
+                  <a:schemeClr val="accent1"/>
+                </a:solidFill>
+              </a14:hiddenFill>
+            </a:ext>
+            <a:ext uri="{91240B29-F687-4F45-9708-019B960494DF}">
+              <a14:hiddenLine xmlns:a14="http://schemas.microsoft.com/office/drawing/2010/main" w="9525">
+                <a:solidFill>
+                  <a:schemeClr val="tx1"/>
+                </a:solidFill>
+                <a:miter lim="800000"/>
+                <a:headEnd/>
+                <a:tailEnd/>
+              </a14:hiddenLine>
+            </a:ext>
+          </a:extLst>
+        </p:spPr>
+      </p:pic>
     </p:spTree>
+    <p:extLst>
+      <p:ext uri="{BB962C8B-B14F-4D97-AF65-F5344CB8AC3E}">
+        <p14:creationId xmlns:p14="http://schemas.microsoft.com/office/powerpoint/2010/main" val="1763675224"/>
+      </p:ext>
+    </p:extLst>
   </p:cSld>
   <p:clrMapOvr>
     <a:masterClrMapping/>
@@ -8357,7 +9004,7 @@
       </p:grpSpPr>
       <p:sp>
         <p:nvSpPr>
-          <p:cNvPr id="13314" name="Title 1"/>
+          <p:cNvPr id="12290" name="Title 1"/>
           <p:cNvSpPr>
             <a:spLocks noGrp="1"/>
           </p:cNvSpPr>
@@ -8371,15 +9018,15 @@
           <a:lstStyle/>
           <a:p>
             <a:r>
-              <a:rPr lang="en-CA" altLang="en-US"/>
-              <a:t>Intended Audience</a:t>
-            </a:r>
-          </a:p>
-        </p:txBody>
-      </p:sp>
-      <p:sp>
-        <p:nvSpPr>
-          <p:cNvPr id="13315" name="Content Placeholder 2"/>
+              <a:rPr lang="en-CA" altLang="en-US" dirty="0"/>
+              <a:t>Training Objectives </a:t>
+            </a:r>
+          </a:p>
+        </p:txBody>
+      </p:sp>
+      <p:sp>
+        <p:nvSpPr>
+          <p:cNvPr id="3" name="Content Placeholder 2"/>
           <p:cNvSpPr>
             <a:spLocks noGrp="1"/>
           </p:cNvSpPr>
@@ -8387,52 +9034,117 @@
             <p:ph idx="1"/>
           </p:nvPr>
         </p:nvSpPr>
-        <p:spPr/>
-        <p:txBody>
-          <a:bodyPr/>
+        <p:spPr>
+          <a:xfrm>
+            <a:off x="893763" y="1714499"/>
+            <a:ext cx="7675562" cy="4551829"/>
+          </a:xfrm>
+        </p:spPr>
+        <p:txBody>
+          <a:bodyPr rtlCol="0">
+            <a:normAutofit fontScale="92500"/>
+          </a:bodyPr>
           <a:lstStyle/>
           <a:p>
-            <a:pPr>
+            <a:pPr fontAlgn="auto">
               <a:spcBef>
-                <a:spcPts val="1800"/>
+                <a:spcPts val="3000"/>
               </a:spcBef>
-            </a:pPr>
-            <a:r>
-              <a:rPr lang="en-CA" altLang="en-US"/>
-              <a:t>Managers interested in the potential benefits of the MSE approach</a:t>
-            </a:r>
-          </a:p>
-          <a:p>
-            <a:pPr>
+              <a:spcAft>
+                <a:spcPts val="0"/>
+              </a:spcAft>
+              <a:buFont typeface="Arial" panose="020B0604020202020204" pitchFamily="34" charset="0"/>
+              <a:buChar char="•"/>
+              <a:defRPr/>
+            </a:pPr>
+            <a:r>
+              <a:rPr lang="en-CA" dirty="0"/>
+              <a:t>Familiarity with Management Strategy Evaluation concepts</a:t>
+            </a:r>
+          </a:p>
+          <a:p>
+            <a:pPr fontAlgn="auto">
               <a:spcBef>
-                <a:spcPts val="1800"/>
+                <a:spcPts val="3000"/>
               </a:spcBef>
-            </a:pPr>
-            <a:r>
-              <a:rPr lang="en-CA" altLang="en-US"/>
-              <a:t>Fisheries scientists investigating options for prioritizing data collection</a:t>
-            </a:r>
-          </a:p>
-          <a:p>
-            <a:pPr>
+              <a:spcAft>
+                <a:spcPts val="0"/>
+              </a:spcAft>
+              <a:buFont typeface="Arial" panose="020B0604020202020204" pitchFamily="34" charset="0"/>
+              <a:buChar char="•"/>
+              <a:defRPr/>
+            </a:pPr>
+            <a:r>
+              <a:rPr lang="en-CA" dirty="0"/>
+              <a:t>Understanding the data-limited management problem</a:t>
+            </a:r>
+          </a:p>
+          <a:p>
+            <a:pPr fontAlgn="auto">
               <a:spcBef>
-                <a:spcPts val="1800"/>
+                <a:spcPts val="3000"/>
               </a:spcBef>
-            </a:pPr>
-            <a:r>
-              <a:rPr lang="en-CA" altLang="en-US"/>
-              <a:t>Quantitative fisheries scientists interested in testing a range of existing management options</a:t>
-            </a:r>
-          </a:p>
-          <a:p>
-            <a:pPr>
+              <a:spcAft>
+                <a:spcPts val="0"/>
+              </a:spcAft>
+              <a:buFont typeface="Arial" panose="020B0604020202020204" pitchFamily="34" charset="0"/>
+              <a:buChar char="•"/>
+              <a:defRPr/>
+            </a:pPr>
+            <a:r>
+              <a:rPr lang="en-CA" dirty="0"/>
+              <a:t>Learn how to evaluate management procedures …</a:t>
+            </a:r>
+          </a:p>
+          <a:p>
+            <a:pPr fontAlgn="auto">
               <a:spcBef>
-                <a:spcPts val="1800"/>
+                <a:spcPts val="3000"/>
               </a:spcBef>
-            </a:pPr>
-            <a:r>
-              <a:rPr lang="en-CA" altLang="en-US"/>
-              <a:t>Advanced quantitative fisheries scientists who would like to test new management procedures</a:t>
+              <a:spcAft>
+                <a:spcPts val="0"/>
+              </a:spcAft>
+              <a:buFont typeface="Arial" panose="020B0604020202020204" pitchFamily="34" charset="0"/>
+              <a:buChar char="•"/>
+              <a:defRPr/>
+            </a:pPr>
+            <a:r>
+              <a:rPr lang="en-CA" dirty="0"/>
+              <a:t>… and then make recommendations using DLMtool</a:t>
+            </a:r>
+          </a:p>
+          <a:p>
+            <a:pPr fontAlgn="auto">
+              <a:spcBef>
+                <a:spcPts val="3000"/>
+              </a:spcBef>
+              <a:spcAft>
+                <a:spcPts val="0"/>
+              </a:spcAft>
+              <a:buFont typeface="Arial" panose="020B0604020202020204" pitchFamily="34" charset="0"/>
+              <a:buChar char="•"/>
+              <a:defRPr/>
+            </a:pPr>
+            <a:r>
+              <a:rPr lang="en-CA" dirty="0"/>
+              <a:t>Gain an understanding of how (whether) DLMtool can be used to address fishery management problems you are facing</a:t>
+            </a:r>
+          </a:p>
+          <a:p>
+            <a:pPr fontAlgn="auto">
+              <a:spcBef>
+                <a:spcPts val="3000"/>
+              </a:spcBef>
+              <a:spcAft>
+                <a:spcPts val="0"/>
+              </a:spcAft>
+              <a:buFont typeface="Arial" panose="020B0604020202020204" pitchFamily="34" charset="0"/>
+              <a:buChar char="•"/>
+              <a:defRPr/>
+            </a:pPr>
+            <a:r>
+              <a:rPr lang="en-CA" dirty="0"/>
+              <a:t>Get feedback from you about desirable features </a:t>
             </a:r>
           </a:p>
         </p:txBody>
@@ -8464,6 +9176,113 @@
       </p:grpSpPr>
       <p:sp>
         <p:nvSpPr>
+          <p:cNvPr id="13314" name="Title 1"/>
+          <p:cNvSpPr>
+            <a:spLocks noGrp="1"/>
+          </p:cNvSpPr>
+          <p:nvPr>
+            <p:ph type="title"/>
+          </p:nvPr>
+        </p:nvSpPr>
+        <p:spPr/>
+        <p:txBody>
+          <a:bodyPr/>
+          <a:lstStyle/>
+          <a:p>
+            <a:r>
+              <a:rPr lang="en-CA" altLang="en-US"/>
+              <a:t>Intended Audience</a:t>
+            </a:r>
+          </a:p>
+        </p:txBody>
+      </p:sp>
+      <p:sp>
+        <p:nvSpPr>
+          <p:cNvPr id="13315" name="Content Placeholder 2"/>
+          <p:cNvSpPr>
+            <a:spLocks noGrp="1"/>
+          </p:cNvSpPr>
+          <p:nvPr>
+            <p:ph idx="1"/>
+          </p:nvPr>
+        </p:nvSpPr>
+        <p:spPr/>
+        <p:txBody>
+          <a:bodyPr/>
+          <a:lstStyle/>
+          <a:p>
+            <a:pPr>
+              <a:spcBef>
+                <a:spcPts val="1800"/>
+              </a:spcBef>
+            </a:pPr>
+            <a:r>
+              <a:rPr lang="en-CA" altLang="en-US"/>
+              <a:t>Managers interested in the potential benefits of the MSE approach</a:t>
+            </a:r>
+          </a:p>
+          <a:p>
+            <a:pPr>
+              <a:spcBef>
+                <a:spcPts val="1800"/>
+              </a:spcBef>
+            </a:pPr>
+            <a:r>
+              <a:rPr lang="en-CA" altLang="en-US"/>
+              <a:t>Fisheries scientists investigating options for prioritizing data collection</a:t>
+            </a:r>
+          </a:p>
+          <a:p>
+            <a:pPr>
+              <a:spcBef>
+                <a:spcPts val="1800"/>
+              </a:spcBef>
+            </a:pPr>
+            <a:r>
+              <a:rPr lang="en-CA" altLang="en-US"/>
+              <a:t>Quantitative fisheries scientists interested in testing a range of existing management options</a:t>
+            </a:r>
+          </a:p>
+          <a:p>
+            <a:pPr>
+              <a:spcBef>
+                <a:spcPts val="1800"/>
+              </a:spcBef>
+            </a:pPr>
+            <a:r>
+              <a:rPr lang="en-CA" altLang="en-US"/>
+              <a:t>Advanced quantitative fisheries scientists who would like to test new management procedures</a:t>
+            </a:r>
+          </a:p>
+        </p:txBody>
+      </p:sp>
+    </p:spTree>
+  </p:cSld>
+  <p:clrMapOvr>
+    <a:masterClrMapping/>
+  </p:clrMapOvr>
+</p:sld>
+</file>
+
+<file path=ppt/slides/slide5.xml><?xml version="1.0" encoding="utf-8"?>
+<p:sld xmlns:a="http://schemas.openxmlformats.org/drawingml/2006/main" xmlns:r="http://schemas.openxmlformats.org/officeDocument/2006/relationships" xmlns:p="http://schemas.openxmlformats.org/presentationml/2006/main">
+  <p:cSld>
+    <p:spTree>
+      <p:nvGrpSpPr>
+        <p:cNvPr id="1" name=""/>
+        <p:cNvGrpSpPr/>
+        <p:nvPr/>
+      </p:nvGrpSpPr>
+      <p:grpSpPr>
+        <a:xfrm>
+          <a:off x="0" y="0"/>
+          <a:ext cx="0" cy="0"/>
+          <a:chOff x="0" y="0"/>
+          <a:chExt cx="0" cy="0"/>
+        </a:xfrm>
+      </p:grpSpPr>
+      <p:sp>
+        <p:nvSpPr>
           <p:cNvPr id="2" name="Title 1"/>
           <p:cNvSpPr>
             <a:spLocks noGrp="1"/>
@@ -8474,7 +9293,7 @@
         </p:nvSpPr>
         <p:spPr>
           <a:xfrm>
-            <a:off x="595313" y="342900"/>
+            <a:off x="440531" y="419760"/>
             <a:ext cx="7886700" cy="493713"/>
           </a:xfrm>
         </p:spPr>
@@ -8509,13 +9328,13 @@
         </p:nvSpPr>
         <p:spPr>
           <a:xfrm>
-            <a:off x="539750" y="1023938"/>
+            <a:off x="440531" y="1123229"/>
             <a:ext cx="8196263" cy="5365750"/>
           </a:xfrm>
         </p:spPr>
         <p:txBody>
           <a:bodyPr rtlCol="0">
-            <a:normAutofit/>
+            <a:normAutofit fontScale="92500" lnSpcReduction="20000"/>
           </a:bodyPr>
           <a:lstStyle/>
           <a:p>
@@ -8532,12 +9351,13 @@
             </a:pPr>
             <a:r>
               <a:rPr lang="en-CA" sz="2000" b="1" dirty="0"/>
-              <a:t>1   Introduction  (4 lectures, 1 exercise)     </a:t>
-            </a:r>
-            <a:r>
-              <a:rPr lang="en-CA" b="1" dirty="0"/>
-              <a:t>    </a:t>
-            </a:r>
+              <a:t>1   Introduction  (4 lectures, 3 exercises)        				Oct 25</a:t>
+            </a:r>
+            <a:r>
+              <a:rPr lang="en-CA" sz="2000" b="1" baseline="30000" dirty="0"/>
+              <a:t>th</a:t>
+            </a:r>
+            <a:endParaRPr lang="en-CA" sz="2000" b="1" dirty="0"/>
           </a:p>
           <a:p>
             <a:pPr marL="447675" fontAlgn="auto">
@@ -8587,13 +9407,13 @@
             </a:pPr>
             <a:r>
               <a:rPr lang="en-CA" sz="2000" dirty="0"/>
-              <a:t>DLMtool introduction &amp; Online Demo</a:t>
+              <a:t>DLMtool introduction, Online Demo and Installation. </a:t>
             </a:r>
           </a:p>
           <a:p>
             <a:pPr marL="0" indent="0" fontAlgn="auto">
               <a:spcBef>
-                <a:spcPts val="1200"/>
+                <a:spcPts val="1800"/>
               </a:spcBef>
               <a:spcAft>
                 <a:spcPts val="600"/>
@@ -8608,7 +9428,15 @@
             </a:r>
             <a:r>
               <a:rPr lang="en-CA" sz="2000" b="1" dirty="0"/>
-              <a:t>Running DLMtool (2 lectures, 2 exercises)</a:t>
+              <a:t>Running DLMtool (3 lectures, 3 exercises)				Nov 1</a:t>
+            </a:r>
+            <a:r>
+              <a:rPr lang="en-CA" sz="2000" b="1" baseline="30000" dirty="0"/>
+              <a:t>st</a:t>
+            </a:r>
+            <a:r>
+              <a:rPr lang="en-CA" sz="2000" b="1" dirty="0"/>
+              <a:t> </a:t>
             </a:r>
           </a:p>
           <a:p>
@@ -8646,23 +9474,6 @@
             </a:r>
           </a:p>
           <a:p>
-            <a:pPr marL="0" indent="0" fontAlgn="auto">
-              <a:spcBef>
-                <a:spcPts val="1200"/>
-              </a:spcBef>
-              <a:spcAft>
-                <a:spcPts val="600"/>
-              </a:spcAft>
-              <a:buFont typeface="Arial" panose="020B0604020202020204" pitchFamily="34" charset="0"/>
-              <a:buNone/>
-              <a:defRPr/>
-            </a:pPr>
-            <a:r>
-              <a:rPr lang="en-CA" sz="2000" b="1" dirty="0"/>
-              <a:t>3   Customizing DLMtool (3 lectures, 3 exercises)</a:t>
-            </a:r>
-          </a:p>
-          <a:p>
             <a:pPr marL="447675" fontAlgn="auto">
               <a:spcBef>
                 <a:spcPts val="0"/>
@@ -8680,6 +9491,27 @@
             </a:r>
           </a:p>
           <a:p>
+            <a:pPr marL="0" indent="0" fontAlgn="auto">
+              <a:spcBef>
+                <a:spcPts val="1800"/>
+              </a:spcBef>
+              <a:spcAft>
+                <a:spcPts val="600"/>
+              </a:spcAft>
+              <a:buFont typeface="Arial" panose="020B0604020202020204" pitchFamily="34" charset="0"/>
+              <a:buNone/>
+              <a:defRPr/>
+            </a:pPr>
+            <a:r>
+              <a:rPr lang="en-CA" sz="2000" b="1" dirty="0"/>
+              <a:t>3   Customizing DLMtool (4 lectures, 4 exercises)			Nov 8</a:t>
+            </a:r>
+            <a:r>
+              <a:rPr lang="en-CA" sz="2000" b="1" baseline="30000" dirty="0"/>
+              <a:t>th</a:t>
+            </a:r>
+          </a:p>
+          <a:p>
             <a:pPr marL="447675" fontAlgn="auto">
               <a:spcBef>
                 <a:spcPts val="0"/>
@@ -8693,41 +9525,7 @@
             </a:pPr>
             <a:r>
               <a:rPr lang="en-CA" sz="2000" dirty="0"/>
-              <a:t>Plotting performance &amp;  value of information analysis</a:t>
-            </a:r>
-          </a:p>
-          <a:p>
-            <a:pPr marL="0" indent="0" fontAlgn="auto">
-              <a:spcBef>
-                <a:spcPts val="1200"/>
-              </a:spcBef>
-              <a:spcAft>
-                <a:spcPts val="0"/>
-              </a:spcAft>
-              <a:buFont typeface="Arial" panose="020B0604020202020204" pitchFamily="34" charset="0"/>
-              <a:buNone/>
-              <a:defRPr/>
-            </a:pPr>
-            <a:r>
-              <a:rPr lang="en-CA" sz="2000" b="1" dirty="0"/>
-              <a:t>4   Making DLMtool recommendations (2 lectures, 2 exercises)</a:t>
-            </a:r>
-          </a:p>
-          <a:p>
-            <a:pPr marL="0" indent="0" fontAlgn="auto">
-              <a:spcBef>
-                <a:spcPts val="1200"/>
-              </a:spcBef>
-              <a:spcAft>
-                <a:spcPts val="0"/>
-              </a:spcAft>
-              <a:buFont typeface="Arial" panose="020B0604020202020204" pitchFamily="34" charset="0"/>
-              <a:buNone/>
-              <a:defRPr/>
-            </a:pPr>
-            <a:r>
-              <a:rPr lang="en-CA" sz="2000" b="1" dirty="0"/>
-              <a:t>5   Advanced DLMtool (3 lectures, 3 exercises)</a:t>
+              <a:t>Custom performance metrics</a:t>
             </a:r>
           </a:p>
           <a:p>
@@ -8744,7 +9542,93 @@
             </a:pPr>
             <a:r>
               <a:rPr lang="en-CA" sz="2000" dirty="0"/>
-              <a:t>Complex operating model definition &amp; custom MPs</a:t>
+              <a:t>Making management recommendations with DLMtool</a:t>
+            </a:r>
+          </a:p>
+          <a:p>
+            <a:pPr marL="271463" indent="-271463" fontAlgn="auto">
+              <a:spcBef>
+                <a:spcPts val="1800"/>
+              </a:spcBef>
+              <a:spcAft>
+                <a:spcPts val="0"/>
+              </a:spcAft>
+              <a:buFont typeface="Arial" panose="020B0604020202020204" pitchFamily="34" charset="0"/>
+              <a:buAutoNum type="arabicPlain" startAt="4"/>
+              <a:defRPr/>
+            </a:pPr>
+            <a:r>
+              <a:rPr lang="en-CA" sz="2000" b="1" dirty="0"/>
+              <a:t>Advanced DLMtool (3 lectures, 3 exercises) 				Nov 22</a:t>
+            </a:r>
+            <a:r>
+              <a:rPr lang="en-CA" sz="2000" b="1" baseline="30000" dirty="0"/>
+              <a:t>nd</a:t>
+            </a:r>
+            <a:r>
+              <a:rPr lang="en-CA" sz="2000" b="1" dirty="0"/>
+              <a:t> </a:t>
+            </a:r>
+          </a:p>
+          <a:p>
+            <a:pPr marL="446088" indent="-174625" fontAlgn="auto">
+              <a:spcBef>
+                <a:spcPts val="1200"/>
+              </a:spcBef>
+              <a:spcAft>
+                <a:spcPts val="0"/>
+              </a:spcAft>
+              <a:tabLst>
+                <a:tab pos="271463" algn="l"/>
+              </a:tabLst>
+              <a:defRPr/>
+            </a:pPr>
+            <a:r>
+              <a:rPr lang="en-CA" sz="2000" dirty="0"/>
+              <a:t>Advanced operating model specification, </a:t>
+            </a:r>
+          </a:p>
+          <a:p>
+            <a:pPr marL="446088" indent="-174625" fontAlgn="auto">
+              <a:spcBef>
+                <a:spcPts val="0"/>
+              </a:spcBef>
+              <a:spcAft>
+                <a:spcPts val="0"/>
+              </a:spcAft>
+              <a:tabLst>
+                <a:tab pos="271463" algn="l"/>
+              </a:tabLst>
+              <a:defRPr/>
+            </a:pPr>
+            <a:r>
+              <a:rPr lang="en-CA" sz="2000" dirty="0"/>
+              <a:t>Custom management procedures</a:t>
+            </a:r>
+          </a:p>
+          <a:p>
+            <a:pPr marL="0" indent="0" fontAlgn="auto">
+              <a:spcBef>
+                <a:spcPts val="1800"/>
+              </a:spcBef>
+              <a:spcAft>
+                <a:spcPts val="0"/>
+              </a:spcAft>
+              <a:buFont typeface="Arial" panose="020B0604020202020204" pitchFamily="34" charset="0"/>
+              <a:buNone/>
+              <a:defRPr/>
+            </a:pPr>
+            <a:r>
+              <a:rPr lang="en-CA" sz="2000" b="1" dirty="0"/>
+              <a:t>5   DFO case studies (2 lectures, 2 exercises)				Dec 6</a:t>
+            </a:r>
+            <a:r>
+              <a:rPr lang="en-CA" sz="2000" b="1" baseline="30000" dirty="0"/>
+              <a:t>th</a:t>
+            </a:r>
+            <a:r>
+              <a:rPr lang="en-CA" sz="2000" b="1" dirty="0"/>
+              <a:t> </a:t>
             </a:r>
           </a:p>
           <a:p>
@@ -8761,24 +9645,49 @@
             </a:pPr>
             <a:r>
               <a:rPr lang="en-CA" sz="2000" dirty="0"/>
-              <a:t>Time-varying parameterizations</a:t>
-            </a:r>
-          </a:p>
-          <a:p>
-            <a:pPr marL="0" indent="0" fontAlgn="auto">
+              <a:t>Creating operating model templates</a:t>
+            </a:r>
+          </a:p>
+          <a:p>
+            <a:pPr marL="447675" fontAlgn="auto">
               <a:spcBef>
-                <a:spcPts val="1200"/>
+                <a:spcPts val="0"/>
               </a:spcBef>
               <a:spcAft>
                 <a:spcPts val="0"/>
               </a:spcAft>
               <a:buFont typeface="Arial" panose="020B0604020202020204" pitchFamily="34" charset="0"/>
+              <a:buChar char="•"/>
+              <a:defRPr/>
+            </a:pPr>
+            <a:r>
+              <a:rPr lang="en-CA" sz="2000" dirty="0"/>
+              <a:t>Specify operating models, MSE diagnostic reports</a:t>
+            </a:r>
+          </a:p>
+          <a:p>
+            <a:pPr marL="0" indent="0" fontAlgn="auto">
+              <a:spcBef>
+                <a:spcPts val="1800"/>
+              </a:spcBef>
+              <a:spcAft>
+                <a:spcPts val="0"/>
+              </a:spcAft>
+              <a:buFont typeface="Arial" panose="020B0604020202020204" pitchFamily="34" charset="0"/>
               <a:buNone/>
               <a:defRPr/>
             </a:pPr>
             <a:r>
               <a:rPr lang="en-CA" sz="2000" b="1" dirty="0"/>
-              <a:t>6   Robustness testing and ecosystem considerations</a:t>
+              <a:t>6   Remedial session							Jan 10</a:t>
+            </a:r>
+            <a:r>
+              <a:rPr lang="en-CA" sz="2000" b="1" baseline="30000" dirty="0"/>
+              <a:t>th</a:t>
+            </a:r>
+            <a:r>
+              <a:rPr lang="en-CA" sz="2000" b="1" dirty="0"/>
+              <a:t> </a:t>
             </a:r>
             <a:endParaRPr lang="en-CA" sz="2000" dirty="0"/>
           </a:p>
@@ -8812,13 +9721,13 @@
               <p:cTn id="2" dur="indefinite" nodeType="mainSeq">
                 <p:childTnLst>
                   <p:par>
-                    <p:cTn id="3" fill="hold" nodeType="clickPar">
+                    <p:cTn id="3" fill="hold">
                       <p:stCondLst>
                         <p:cond delay="indefinite"/>
                       </p:stCondLst>
                       <p:childTnLst>
                         <p:par>
-                          <p:cTn id="4" fill="hold" nodeType="withGroup">
+                          <p:cTn id="4" fill="hold">
                             <p:stCondLst>
                               <p:cond delay="0"/>
                             </p:stCondLst>
@@ -8952,33 +9861,15 @@
                                   </p:childTnLst>
                                 </p:cTn>
                               </p:par>
-                            </p:childTnLst>
-                          </p:cTn>
-                        </p:par>
-                      </p:childTnLst>
-                    </p:cTn>
-                  </p:par>
-                  <p:par>
-                    <p:cTn id="14" fill="hold" nodeType="clickPar">
-                      <p:stCondLst>
-                        <p:cond delay="indefinite"/>
-                      </p:stCondLst>
-                      <p:childTnLst>
-                        <p:par>
-                          <p:cTn id="15" fill="hold" nodeType="withGroup">
-                            <p:stCondLst>
-                              <p:cond delay="0"/>
-                            </p:stCondLst>
-                            <p:childTnLst>
                               <p:par>
-                                <p:cTn id="16" presetID="10" presetClass="entr" presetSubtype="0" fill="hold" nodeType="clickEffect">
+                                <p:cTn id="14" presetID="10" presetClass="entr" presetSubtype="0" fill="hold" nodeType="withEffect">
                                   <p:stCondLst>
                                     <p:cond delay="0"/>
                                   </p:stCondLst>
                                   <p:childTnLst>
                                     <p:set>
                                       <p:cBhvr>
-                                        <p:cTn id="17" dur="1" fill="hold">
+                                        <p:cTn id="15" dur="1" fill="hold">
                                           <p:stCondLst>
                                             <p:cond delay="0"/>
                                           </p:stCondLst>
@@ -9000,7 +9891,7 @@
                                     </p:set>
                                     <p:animEffect transition="in" filter="fade">
                                       <p:cBhvr>
-                                        <p:cTn id="18" dur="500"/>
+                                        <p:cTn id="16" dur="500"/>
                                         <p:tgtEl>
                                           <p:spTgt spid="4">
                                             <p:txEl>
@@ -9013,8 +9904,26 @@
                                   </p:childTnLst>
                                 </p:cTn>
                               </p:par>
+                            </p:childTnLst>
+                          </p:cTn>
+                        </p:par>
+                      </p:childTnLst>
+                    </p:cTn>
+                  </p:par>
+                  <p:par>
+                    <p:cTn id="17" fill="hold">
+                      <p:stCondLst>
+                        <p:cond delay="indefinite"/>
+                      </p:stCondLst>
+                      <p:childTnLst>
+                        <p:par>
+                          <p:cTn id="18" fill="hold">
+                            <p:stCondLst>
+                              <p:cond delay="0"/>
+                            </p:stCondLst>
+                            <p:childTnLst>
                               <p:par>
-                                <p:cTn id="19" presetID="10" presetClass="entr" presetSubtype="0" fill="hold" nodeType="withEffect">
+                                <p:cTn id="19" presetID="10" presetClass="entr" presetSubtype="0" fill="hold" nodeType="clickEffect">
                                   <p:stCondLst>
                                     <p:cond delay="0"/>
                                   </p:stCondLst>
@@ -9099,33 +10008,15 @@
                                   </p:childTnLst>
                                 </p:cTn>
                               </p:par>
-                            </p:childTnLst>
-                          </p:cTn>
-                        </p:par>
-                      </p:childTnLst>
-                    </p:cTn>
-                  </p:par>
-                  <p:par>
-                    <p:cTn id="25" fill="hold" nodeType="clickPar">
-                      <p:stCondLst>
-                        <p:cond delay="indefinite"/>
-                      </p:stCondLst>
-                      <p:childTnLst>
-                        <p:par>
-                          <p:cTn id="26" fill="hold" nodeType="withGroup">
-                            <p:stCondLst>
-                              <p:cond delay="0"/>
-                            </p:stCondLst>
-                            <p:childTnLst>
                               <p:par>
-                                <p:cTn id="27" presetID="10" presetClass="entr" presetSubtype="0" fill="hold" nodeType="clickEffect">
+                                <p:cTn id="25" presetID="10" presetClass="entr" presetSubtype="0" fill="hold" nodeType="withEffect">
                                   <p:stCondLst>
                                     <p:cond delay="0"/>
                                   </p:stCondLst>
                                   <p:childTnLst>
                                     <p:set>
                                       <p:cBhvr>
-                                        <p:cTn id="28" dur="1" fill="hold">
+                                        <p:cTn id="26" dur="1" fill="hold">
                                           <p:stCondLst>
                                             <p:cond delay="0"/>
                                           </p:stCondLst>
@@ -9147,7 +10038,7 @@
                                     </p:set>
                                     <p:animEffect transition="in" filter="fade">
                                       <p:cBhvr>
-                                        <p:cTn id="29" dur="500"/>
+                                        <p:cTn id="27" dur="500"/>
                                         <p:tgtEl>
                                           <p:spTgt spid="4">
                                             <p:txEl>
@@ -9167,26 +10058,26 @@
                     </p:cTn>
                   </p:par>
                   <p:par>
-                    <p:cTn id="30" fill="hold" nodeType="clickPar">
+                    <p:cTn id="28" fill="hold">
                       <p:stCondLst>
                         <p:cond delay="indefinite"/>
                       </p:stCondLst>
                       <p:childTnLst>
                         <p:par>
-                          <p:cTn id="31" fill="hold" nodeType="withGroup">
+                          <p:cTn id="29" fill="hold">
                             <p:stCondLst>
                               <p:cond delay="0"/>
                             </p:stCondLst>
                             <p:childTnLst>
                               <p:par>
-                                <p:cTn id="32" presetID="10" presetClass="entr" presetSubtype="0" fill="hold" nodeType="clickEffect">
+                                <p:cTn id="30" presetID="10" presetClass="entr" presetSubtype="0" fill="hold" nodeType="clickEffect">
                                   <p:stCondLst>
                                     <p:cond delay="0"/>
                                   </p:stCondLst>
                                   <p:childTnLst>
                                     <p:set>
                                       <p:cBhvr>
-                                        <p:cTn id="33" dur="1" fill="hold">
+                                        <p:cTn id="31" dur="1" fill="hold">
                                           <p:stCondLst>
                                             <p:cond delay="0"/>
                                           </p:stCondLst>
@@ -9208,7 +10099,7 @@
                                     </p:set>
                                     <p:animEffect transition="in" filter="fade">
                                       <p:cBhvr>
-                                        <p:cTn id="34" dur="500"/>
+                                        <p:cTn id="32" dur="500"/>
                                         <p:tgtEl>
                                           <p:spTgt spid="4">
                                             <p:txEl>
@@ -9222,14 +10113,14 @@
                                 </p:cTn>
                               </p:par>
                               <p:par>
-                                <p:cTn id="35" presetID="10" presetClass="entr" presetSubtype="0" fill="hold" nodeType="withEffect">
+                                <p:cTn id="33" presetID="10" presetClass="entr" presetSubtype="0" fill="hold" nodeType="withEffect">
                                   <p:stCondLst>
                                     <p:cond delay="0"/>
                                   </p:stCondLst>
                                   <p:childTnLst>
                                     <p:set>
                                       <p:cBhvr>
-                                        <p:cTn id="36" dur="1" fill="hold">
+                                        <p:cTn id="34" dur="1" fill="hold">
                                           <p:stCondLst>
                                             <p:cond delay="0"/>
                                           </p:stCondLst>
@@ -9251,7 +10142,7 @@
                                     </p:set>
                                     <p:animEffect transition="in" filter="fade">
                                       <p:cBhvr>
-                                        <p:cTn id="37" dur="500"/>
+                                        <p:cTn id="35" dur="500"/>
                                         <p:tgtEl>
                                           <p:spTgt spid="4">
                                             <p:txEl>
@@ -9265,14 +10156,14 @@
                                 </p:cTn>
                               </p:par>
                               <p:par>
-                                <p:cTn id="38" presetID="10" presetClass="entr" presetSubtype="0" fill="hold" nodeType="withEffect">
+                                <p:cTn id="36" presetID="10" presetClass="entr" presetSubtype="0" fill="hold" nodeType="withEffect">
                                   <p:stCondLst>
                                     <p:cond delay="0"/>
                                   </p:stCondLst>
                                   <p:childTnLst>
                                     <p:set>
                                       <p:cBhvr>
-                                        <p:cTn id="39" dur="1" fill="hold">
+                                        <p:cTn id="37" dur="1" fill="hold">
                                           <p:stCondLst>
                                             <p:cond delay="0"/>
                                           </p:stCondLst>
@@ -9294,7 +10185,7 @@
                                     </p:set>
                                     <p:animEffect transition="in" filter="fade">
                                       <p:cBhvr>
-                                        <p:cTn id="40" dur="500"/>
+                                        <p:cTn id="38" dur="500"/>
                                         <p:tgtEl>
                                           <p:spTgt spid="4">
                                             <p:txEl>
@@ -9314,26 +10205,26 @@
                     </p:cTn>
                   </p:par>
                   <p:par>
-                    <p:cTn id="41" fill="hold" nodeType="clickPar">
+                    <p:cTn id="39" fill="hold">
                       <p:stCondLst>
                         <p:cond delay="indefinite"/>
                       </p:stCondLst>
                       <p:childTnLst>
                         <p:par>
-                          <p:cTn id="42" fill="hold" nodeType="withGroup">
+                          <p:cTn id="40" fill="hold">
                             <p:stCondLst>
                               <p:cond delay="0"/>
                             </p:stCondLst>
                             <p:childTnLst>
                               <p:par>
-                                <p:cTn id="43" presetID="10" presetClass="entr" presetSubtype="0" fill="hold" nodeType="clickEffect">
+                                <p:cTn id="41" presetID="10" presetClass="entr" presetSubtype="0" fill="hold" nodeType="clickEffect">
                                   <p:stCondLst>
                                     <p:cond delay="0"/>
                                   </p:stCondLst>
                                   <p:childTnLst>
                                     <p:set>
                                       <p:cBhvr>
-                                        <p:cTn id="44" dur="1" fill="hold">
+                                        <p:cTn id="42" dur="1" fill="hold">
                                           <p:stCondLst>
                                             <p:cond delay="0"/>
                                           </p:stCondLst>
@@ -9355,7 +10246,7 @@
                                     </p:set>
                                     <p:animEffect transition="in" filter="fade">
                                       <p:cBhvr>
-                                        <p:cTn id="45" dur="500"/>
+                                        <p:cTn id="43" dur="500"/>
                                         <p:tgtEl>
                                           <p:spTgt spid="4">
                                             <p:txEl>
@@ -9368,296 +10259,15 @@
                                   </p:childTnLst>
                                 </p:cTn>
                               </p:par>
-                            </p:childTnLst>
-                          </p:cTn>
-                        </p:par>
-                      </p:childTnLst>
-                    </p:cTn>
-                  </p:par>
-                </p:childTnLst>
-              </p:cTn>
-              <p:prevCondLst>
-                <p:cond evt="onPrev" delay="0">
-                  <p:tgtEl>
-                    <p:sldTgt/>
-                  </p:tgtEl>
-                </p:cond>
-              </p:prevCondLst>
-              <p:nextCondLst>
-                <p:cond evt="onNext" delay="0">
-                  <p:tgtEl>
-                    <p:sldTgt/>
-                  </p:tgtEl>
-                </p:cond>
-              </p:nextCondLst>
-            </p:seq>
-          </p:childTnLst>
-        </p:cTn>
-      </p:par>
-    </p:tnLst>
-  </p:timing>
-</p:sld>
-</file>
-
-<file path=ppt/slides/slide5.xml><?xml version="1.0" encoding="utf-8"?>
-<p:sld xmlns:a="http://schemas.openxmlformats.org/drawingml/2006/main" xmlns:r="http://schemas.openxmlformats.org/officeDocument/2006/relationships" xmlns:p="http://schemas.openxmlformats.org/presentationml/2006/main">
-  <p:cSld>
-    <p:spTree>
-      <p:nvGrpSpPr>
-        <p:cNvPr id="1" name=""/>
-        <p:cNvGrpSpPr/>
-        <p:nvPr/>
-      </p:nvGrpSpPr>
-      <p:grpSpPr>
-        <a:xfrm>
-          <a:off x="0" y="0"/>
-          <a:ext cx="0" cy="0"/>
-          <a:chOff x="0" y="0"/>
-          <a:chExt cx="0" cy="0"/>
-        </a:xfrm>
-      </p:grpSpPr>
-      <p:sp>
-        <p:nvSpPr>
-          <p:cNvPr id="2" name="Title 1"/>
-          <p:cNvSpPr>
-            <a:spLocks noGrp="1"/>
-          </p:cNvSpPr>
-          <p:nvPr>
-            <p:ph type="title"/>
-          </p:nvPr>
-        </p:nvSpPr>
-        <p:spPr>
-          <a:xfrm>
-            <a:off x="595313" y="342900"/>
-            <a:ext cx="7886700" cy="493713"/>
-          </a:xfrm>
-        </p:spPr>
-        <p:txBody>
-          <a:bodyPr rtlCol="0">
-            <a:normAutofit fontScale="90000"/>
-          </a:bodyPr>
-          <a:lstStyle/>
-          <a:p>
-            <a:pPr fontAlgn="auto">
-              <a:spcAft>
-                <a:spcPts val="0"/>
-              </a:spcAft>
-              <a:defRPr/>
-            </a:pPr>
-            <a:r>
-              <a:rPr lang="en-CA" dirty="0"/>
-              <a:t>Course outline</a:t>
-            </a:r>
-          </a:p>
-        </p:txBody>
-      </p:sp>
-      <p:sp>
-        <p:nvSpPr>
-          <p:cNvPr id="4" name="Content Placeholder 3"/>
-          <p:cNvSpPr>
-            <a:spLocks noGrp="1"/>
-          </p:cNvSpPr>
-          <p:nvPr>
-            <p:ph idx="1"/>
-          </p:nvPr>
-        </p:nvSpPr>
-        <p:spPr>
-          <a:xfrm>
-            <a:off x="682625" y="1730375"/>
-            <a:ext cx="8196263" cy="4284663"/>
-          </a:xfrm>
-        </p:spPr>
-        <p:txBody>
-          <a:bodyPr rtlCol="0">
-            <a:normAutofit/>
-          </a:bodyPr>
-          <a:lstStyle/>
-          <a:p>
-            <a:pPr marL="0" indent="0" fontAlgn="auto">
-              <a:spcBef>
-                <a:spcPts val="1200"/>
-              </a:spcBef>
-              <a:spcAft>
-                <a:spcPts val="600"/>
-              </a:spcAft>
-              <a:buFont typeface="Arial" panose="020B0604020202020204" pitchFamily="34" charset="0"/>
-              <a:buNone/>
-              <a:defRPr/>
-            </a:pPr>
-            <a:r>
-              <a:rPr lang="en-CA" sz="2200" b="1" dirty="0"/>
-              <a:t>7   DFO case study 1: Capelin</a:t>
-            </a:r>
-          </a:p>
-          <a:p>
-            <a:pPr marL="447675" fontAlgn="auto">
-              <a:spcBef>
-                <a:spcPts val="0"/>
-              </a:spcBef>
-              <a:spcAft>
-                <a:spcPts val="0"/>
-              </a:spcAft>
-              <a:buFont typeface="Arial" panose="020B0604020202020204" pitchFamily="34" charset="0"/>
-              <a:buChar char="•"/>
-              <a:defRPr/>
-            </a:pPr>
-            <a:r>
-              <a:rPr lang="en-CA" sz="2200" dirty="0"/>
-              <a:t>Populating operating models for data-limited stocks</a:t>
-            </a:r>
-          </a:p>
-          <a:p>
-            <a:pPr marL="447675" fontAlgn="auto">
-              <a:spcBef>
-                <a:spcPts val="0"/>
-              </a:spcBef>
-              <a:spcAft>
-                <a:spcPts val="0"/>
-              </a:spcAft>
-              <a:buFont typeface="Arial" panose="020B0604020202020204" pitchFamily="34" charset="0"/>
-              <a:buChar char="•"/>
-              <a:defRPr/>
-            </a:pPr>
-            <a:r>
-              <a:rPr lang="en-CA" sz="2200" dirty="0"/>
-              <a:t>MSE satisficing</a:t>
-            </a:r>
-          </a:p>
-          <a:p>
-            <a:pPr marL="447675" fontAlgn="auto">
-              <a:spcBef>
-                <a:spcPts val="0"/>
-              </a:spcBef>
-              <a:spcAft>
-                <a:spcPts val="0"/>
-              </a:spcAft>
-              <a:buFont typeface="Arial" panose="020B0604020202020204" pitchFamily="34" charset="0"/>
-              <a:buChar char="•"/>
-              <a:defRPr/>
-            </a:pPr>
-            <a:r>
-              <a:rPr lang="en-CA" sz="2200" dirty="0"/>
-              <a:t>Processing Capelin data for DLMtool recommendations</a:t>
-            </a:r>
-          </a:p>
-          <a:p>
-            <a:pPr marL="0" indent="0" fontAlgn="auto">
-              <a:spcBef>
-                <a:spcPts val="2400"/>
-              </a:spcBef>
-              <a:spcAft>
-                <a:spcPts val="600"/>
-              </a:spcAft>
-              <a:buFont typeface="Arial" panose="020B0604020202020204" pitchFamily="34" charset="0"/>
-              <a:buNone/>
-              <a:defRPr/>
-            </a:pPr>
-            <a:r>
-              <a:rPr lang="en-CA" sz="2200" b="1" dirty="0"/>
-              <a:t>8   DFO case study 2: Jonah crab</a:t>
-            </a:r>
-          </a:p>
-          <a:p>
-            <a:pPr marL="447675" fontAlgn="auto">
-              <a:spcBef>
-                <a:spcPts val="0"/>
-              </a:spcBef>
-              <a:spcAft>
-                <a:spcPts val="0"/>
-              </a:spcAft>
-              <a:buFont typeface="Arial" panose="020B0604020202020204" pitchFamily="34" charset="0"/>
-              <a:buChar char="•"/>
-              <a:defRPr/>
-            </a:pPr>
-            <a:r>
-              <a:rPr lang="en-CA" sz="2200" dirty="0"/>
-              <a:t>Specifying operating models for stocks with assessments </a:t>
-            </a:r>
-          </a:p>
-          <a:p>
-            <a:pPr marL="447675" fontAlgn="auto">
-              <a:spcBef>
-                <a:spcPts val="0"/>
-              </a:spcBef>
-              <a:spcAft>
-                <a:spcPts val="0"/>
-              </a:spcAft>
-              <a:buFont typeface="Arial" panose="020B0604020202020204" pitchFamily="34" charset="0"/>
-              <a:buChar char="•"/>
-              <a:defRPr/>
-            </a:pPr>
-            <a:r>
-              <a:rPr lang="en-CA" sz="2200" dirty="0"/>
-              <a:t>MSE satisficing</a:t>
-            </a:r>
-          </a:p>
-          <a:p>
-            <a:pPr marL="447675" fontAlgn="auto">
-              <a:spcBef>
-                <a:spcPts val="0"/>
-              </a:spcBef>
-              <a:spcAft>
-                <a:spcPts val="0"/>
-              </a:spcAft>
-              <a:buFont typeface="Arial" panose="020B0604020202020204" pitchFamily="34" charset="0"/>
-              <a:buChar char="•"/>
-              <a:defRPr/>
-            </a:pPr>
-            <a:r>
-              <a:rPr lang="en-CA" sz="2200" dirty="0"/>
-              <a:t>Processing Jonah crab data for DLMtool recommendations</a:t>
-            </a:r>
-          </a:p>
-          <a:p>
-            <a:pPr marL="0" indent="0" fontAlgn="auto">
-              <a:spcBef>
-                <a:spcPts val="1200"/>
-              </a:spcBef>
-              <a:spcAft>
-                <a:spcPts val="600"/>
-              </a:spcAft>
-              <a:buFont typeface="Arial" panose="020B0604020202020204" pitchFamily="34" charset="0"/>
-              <a:buNone/>
-              <a:defRPr/>
-            </a:pPr>
-            <a:endParaRPr lang="en-CA" dirty="0"/>
-          </a:p>
-        </p:txBody>
-      </p:sp>
-    </p:spTree>
-  </p:cSld>
-  <p:clrMapOvr>
-    <a:masterClrMapping/>
-  </p:clrMapOvr>
-  <p:timing>
-    <p:tnLst>
-      <p:par>
-        <p:cTn id="1" dur="indefinite" restart="never" nodeType="tmRoot">
-          <p:childTnLst>
-            <p:seq concurrent="1" nextAc="seek">
-              <p:cTn id="2" dur="indefinite" nodeType="mainSeq">
-                <p:childTnLst>
-                  <p:par>
-                    <p:cTn id="3" fill="hold" nodeType="clickPar">
-                      <p:stCondLst>
-                        <p:cond delay="indefinite"/>
-                      </p:stCondLst>
-                      <p:childTnLst>
-                        <p:par>
-                          <p:cTn id="4" fill="hold" nodeType="withGroup">
-                            <p:stCondLst>
-                              <p:cond delay="0"/>
-                            </p:stCondLst>
-                            <p:childTnLst>
                               <p:par>
-                                <p:cTn id="5" presetID="10" presetClass="entr" presetSubtype="0" fill="hold" nodeType="clickEffect">
+                                <p:cTn id="44" presetID="10" presetClass="entr" presetSubtype="0" fill="hold" nodeType="withEffect">
                                   <p:stCondLst>
                                     <p:cond delay="0"/>
                                   </p:stCondLst>
                                   <p:childTnLst>
                                     <p:set>
                                       <p:cBhvr>
-                                        <p:cTn id="6" dur="1" fill="hold">
+                                        <p:cTn id="45" dur="1" fill="hold">
                                           <p:stCondLst>
                                             <p:cond delay="0"/>
                                           </p:stCondLst>
@@ -9665,7 +10275,7 @@
                                         <p:tgtEl>
                                           <p:spTgt spid="4">
                                             <p:txEl>
-                                              <p:pRg st="4" end="4"/>
+                                              <p:pRg st="15" end="15"/>
                                             </p:txEl>
                                           </p:spTgt>
                                         </p:tgtEl>
@@ -9679,11 +10289,54 @@
                                     </p:set>
                                     <p:animEffect transition="in" filter="fade">
                                       <p:cBhvr>
-                                        <p:cTn id="7" dur="500"/>
+                                        <p:cTn id="46" dur="500"/>
                                         <p:tgtEl>
                                           <p:spTgt spid="4">
                                             <p:txEl>
-                                              <p:pRg st="4" end="4"/>
+                                              <p:pRg st="15" end="15"/>
+                                            </p:txEl>
+                                          </p:spTgt>
+                                        </p:tgtEl>
+                                      </p:cBhvr>
+                                    </p:animEffect>
+                                  </p:childTnLst>
+                                </p:cTn>
+                              </p:par>
+                              <p:par>
+                                <p:cTn id="47" presetID="10" presetClass="entr" presetSubtype="0" fill="hold" nodeType="withEffect">
+                                  <p:stCondLst>
+                                    <p:cond delay="0"/>
+                                  </p:stCondLst>
+                                  <p:childTnLst>
+                                    <p:set>
+                                      <p:cBhvr>
+                                        <p:cTn id="48" dur="1" fill="hold">
+                                          <p:stCondLst>
+                                            <p:cond delay="0"/>
+                                          </p:stCondLst>
+                                        </p:cTn>
+                                        <p:tgtEl>
+                                          <p:spTgt spid="4">
+                                            <p:txEl>
+                                              <p:pRg st="16" end="16"/>
+                                            </p:txEl>
+                                          </p:spTgt>
+                                        </p:tgtEl>
+                                        <p:attrNameLst>
+                                          <p:attrName>style.visibility</p:attrName>
+                                        </p:attrNameLst>
+                                      </p:cBhvr>
+                                      <p:to>
+                                        <p:strVal val="visible"/>
+                                      </p:to>
+                                    </p:set>
+                                    <p:animEffect transition="in" filter="fade">
+                                      <p:cBhvr>
+                                        <p:cTn id="49" dur="500"/>
+                                        <p:tgtEl>
+                                          <p:spTgt spid="4">
+                                            <p:txEl>
+                                              <p:pRg st="16" end="16"/>
                                             </p:txEl>
                                           </p:spTgt>
                                         </p:tgtEl>
@@ -9699,26 +10352,26 @@
                     </p:cTn>
                   </p:par>
                   <p:par>
-                    <p:cTn id="8" fill="hold" nodeType="clickPar">
+                    <p:cTn id="50" fill="hold">
                       <p:stCondLst>
                         <p:cond delay="indefinite"/>
                       </p:stCondLst>
                       <p:childTnLst>
                         <p:par>
-                          <p:cTn id="9" fill="hold" nodeType="withGroup">
+                          <p:cTn id="51" fill="hold">
                             <p:stCondLst>
                               <p:cond delay="0"/>
                             </p:stCondLst>
                             <p:childTnLst>
                               <p:par>
-                                <p:cTn id="10" presetID="10" presetClass="entr" presetSubtype="0" fill="hold" nodeType="clickEffect">
+                                <p:cTn id="52" presetID="10" presetClass="entr" presetSubtype="0" fill="hold" nodeType="clickEffect">
                                   <p:stCondLst>
                                     <p:cond delay="0"/>
                                   </p:stCondLst>
                                   <p:childTnLst>
                                     <p:set>
                                       <p:cBhvr>
-                                        <p:cTn id="11" dur="1" fill="hold">
+                                        <p:cTn id="53" dur="1" fill="hold">
                                           <p:stCondLst>
                                             <p:cond delay="0"/>
                                           </p:stCondLst>
@@ -9726,7 +10379,7 @@
                                         <p:tgtEl>
                                           <p:spTgt spid="4">
                                             <p:txEl>
-                                              <p:pRg st="3" end="3"/>
+                                              <p:pRg st="17" end="17"/>
                                             </p:txEl>
                                           </p:spTgt>
                                         </p:tgtEl>
@@ -9740,140 +10393,11 @@
                                     </p:set>
                                     <p:animEffect transition="in" filter="fade">
                                       <p:cBhvr>
-                                        <p:cTn id="12" dur="500"/>
+                                        <p:cTn id="54" dur="500"/>
                                         <p:tgtEl>
                                           <p:spTgt spid="4">
                                             <p:txEl>
-                                              <p:pRg st="3" end="3"/>
-                                            </p:txEl>
-                                          </p:spTgt>
-                                        </p:tgtEl>
-                                      </p:cBhvr>
-                                    </p:animEffect>
-                                  </p:childTnLst>
-                                </p:cTn>
-                              </p:par>
-                              <p:par>
-                                <p:cTn id="13" presetID="10" presetClass="entr" presetSubtype="0" fill="hold" nodeType="withEffect">
-                                  <p:stCondLst>
-                                    <p:cond delay="0"/>
-                                  </p:stCondLst>
-                                  <p:childTnLst>
-                                    <p:set>
-                                      <p:cBhvr>
-                                        <p:cTn id="14" dur="1" fill="hold">
-                                          <p:stCondLst>
-                                            <p:cond delay="0"/>
-                                          </p:stCondLst>
-                                        </p:cTn>
-                                        <p:tgtEl>
-                                          <p:spTgt spid="4">
-                                            <p:txEl>
-                                              <p:pRg st="5" end="5"/>
-                                            </p:txEl>
-                                          </p:spTgt>
-                                        </p:tgtEl>
-                                        <p:attrNameLst>
-                                          <p:attrName>style.visibility</p:attrName>
-                                        </p:attrNameLst>
-                                      </p:cBhvr>
-                                      <p:to>
-                                        <p:strVal val="visible"/>
-                                      </p:to>
-                                    </p:set>
-                                    <p:animEffect transition="in" filter="fade">
-                                      <p:cBhvr>
-                                        <p:cTn id="15" dur="500"/>
-                                        <p:tgtEl>
-                                          <p:spTgt spid="4">
-                                            <p:txEl>
-                                              <p:pRg st="5" end="5"/>
-                                            </p:txEl>
-                                          </p:spTgt>
-                                        </p:tgtEl>
-                                      </p:cBhvr>
-                                    </p:animEffect>
-                                  </p:childTnLst>
-                                </p:cTn>
-                              </p:par>
-                              <p:par>
-                                <p:cTn id="16" presetID="10" presetClass="entr" presetSubtype="0" fill="hold" nodeType="withEffect">
-                                  <p:stCondLst>
-                                    <p:cond delay="0"/>
-                                  </p:stCondLst>
-                                  <p:childTnLst>
-                                    <p:set>
-                                      <p:cBhvr>
-                                        <p:cTn id="17" dur="1" fill="hold">
-                                          <p:stCondLst>
-                                            <p:cond delay="0"/>
-                                          </p:stCondLst>
-                                        </p:cTn>
-                                        <p:tgtEl>
-                                          <p:spTgt spid="4">
-                                            <p:txEl>
-                                              <p:pRg st="6" end="6"/>
-                                            </p:txEl>
-                                          </p:spTgt>
-                                        </p:tgtEl>
-                                        <p:attrNameLst>
-                                          <p:attrName>style.visibility</p:attrName>
-                                        </p:attrNameLst>
-                                      </p:cBhvr>
-                                      <p:to>
-                                        <p:strVal val="visible"/>
-                                      </p:to>
-                                    </p:set>
-                                    <p:animEffect transition="in" filter="fade">
-                                      <p:cBhvr>
-                                        <p:cTn id="18" dur="500"/>
-                                        <p:tgtEl>
-                                          <p:spTgt spid="4">
-                                            <p:txEl>
-                                              <p:pRg st="6" end="6"/>
-                                            </p:txEl>
-                                          </p:spTgt>
-                                        </p:tgtEl>
-                                      </p:cBhvr>
-                                    </p:animEffect>
-                                  </p:childTnLst>
-                                </p:cTn>
-                              </p:par>
-                              <p:par>
-                                <p:cTn id="19" presetID="10" presetClass="entr" presetSubtype="0" fill="hold" nodeType="withEffect">
-                                  <p:stCondLst>
-                                    <p:cond delay="0"/>
-                                  </p:stCondLst>
-                                  <p:childTnLst>
-                                    <p:set>
-                                      <p:cBhvr>
-                                        <p:cTn id="20" dur="1" fill="hold">
-                                          <p:stCondLst>
-                                            <p:cond delay="0"/>
-                                          </p:stCondLst>
-                                        </p:cTn>
-                                        <p:tgtEl>
-                                          <p:spTgt spid="4">
-                                            <p:txEl>
-                                              <p:pRg st="7" end="7"/>
-                                            </p:txEl>
-                                          </p:spTgt>
-                                        </p:tgtEl>
-                                        <p:attrNameLst>
-                                          <p:attrName>style.visibility</p:attrName>
-                                        </p:attrNameLst>
-                                      </p:cBhvr>
-                                      <p:to>
-                                        <p:strVal val="visible"/>
-                                      </p:to>
-                                    </p:set>
-                                    <p:animEffect transition="in" filter="fade">
-                                      <p:cBhvr>
-                                        <p:cTn id="21" dur="500"/>
-                                        <p:tgtEl>
-                                          <p:spTgt spid="4">
-                                            <p:txEl>
-                                              <p:pRg st="7" end="7"/>
+                                              <p:pRg st="17" end="17"/>
                                             </p:txEl>
                                           </p:spTgt>
                                         </p:tgtEl>

--- a/Disused code/Misc/DLM_DFO/Lectures/1 Introduction/L1a Foreword.pptx
+++ b/Disused code/Misc/DLM_DFO/Lectures/1 Introduction/L1a Foreword.pptx
@@ -369,7 +369,7 @@
               <a:pPr>
                 <a:defRPr/>
               </a:pPr>
-              <a:t>10/17/2017</a:t>
+              <a:t>10/22/2017</a:t>
             </a:fld>
             <a:endParaRPr lang="en-US" dirty="0"/>
           </a:p>
@@ -744,7 +744,7 @@
               <a:pPr>
                 <a:defRPr/>
               </a:pPr>
-              <a:t>10/17/2017</a:t>
+              <a:t>10/22/2017</a:t>
             </a:fld>
             <a:endParaRPr lang="en-US" dirty="0"/>
           </a:p>
@@ -1027,7 +1027,7 @@
               <a:pPr>
                 <a:defRPr/>
               </a:pPr>
-              <a:t>10/17/2017</a:t>
+              <a:t>10/22/2017</a:t>
             </a:fld>
             <a:endParaRPr lang="en-US" dirty="0"/>
           </a:p>
@@ -1615,7 +1615,7 @@
               <a:pPr>
                 <a:defRPr/>
               </a:pPr>
-              <a:t>10/17/2017</a:t>
+              <a:t>10/22/2017</a:t>
             </a:fld>
             <a:endParaRPr lang="en-US" dirty="0"/>
           </a:p>
@@ -1900,7 +1900,7 @@
               <a:pPr>
                 <a:defRPr/>
               </a:pPr>
-              <a:t>10/17/2017</a:t>
+              <a:t>10/22/2017</a:t>
             </a:fld>
             <a:endParaRPr lang="en-US" dirty="0"/>
           </a:p>
@@ -2533,7 +2533,7 @@
               <a:pPr>
                 <a:defRPr/>
               </a:pPr>
-              <a:t>10/17/2017</a:t>
+              <a:t>10/22/2017</a:t>
             </a:fld>
             <a:endParaRPr lang="en-US" dirty="0"/>
           </a:p>
@@ -3458,7 +3458,7 @@
               <a:pPr>
                 <a:defRPr/>
               </a:pPr>
-              <a:t>10/17/2017</a:t>
+              <a:t>10/22/2017</a:t>
             </a:fld>
             <a:endParaRPr lang="en-US" dirty="0"/>
           </a:p>
@@ -3719,7 +3719,7 @@
               <a:pPr>
                 <a:defRPr/>
               </a:pPr>
-              <a:t>10/17/2017</a:t>
+              <a:t>10/22/2017</a:t>
             </a:fld>
             <a:endParaRPr lang="en-US" dirty="0"/>
           </a:p>
@@ -3990,7 +3990,7 @@
               <a:pPr>
                 <a:defRPr/>
               </a:pPr>
-              <a:t>10/17/2017</a:t>
+              <a:t>10/22/2017</a:t>
             </a:fld>
             <a:endParaRPr lang="en-US" dirty="0"/>
           </a:p>
@@ -4256,7 +4256,7 @@
               <a:pPr>
                 <a:defRPr/>
               </a:pPr>
-              <a:t>10/17/2017</a:t>
+              <a:t>10/22/2017</a:t>
             </a:fld>
             <a:endParaRPr lang="en-US" dirty="0"/>
           </a:p>
@@ -4540,7 +4540,7 @@
               <a:pPr>
                 <a:defRPr/>
               </a:pPr>
-              <a:t>10/17/2017</a:t>
+              <a:t>10/22/2017</a:t>
             </a:fld>
             <a:endParaRPr lang="en-US" dirty="0"/>
           </a:p>
@@ -4799,7 +4799,7 @@
               <a:pPr>
                 <a:defRPr/>
               </a:pPr>
-              <a:t>10/17/2017</a:t>
+              <a:t>10/22/2017</a:t>
             </a:fld>
             <a:endParaRPr lang="en-US" dirty="0"/>
           </a:p>
@@ -5219,7 +5219,7 @@
               <a:pPr>
                 <a:defRPr/>
               </a:pPr>
-              <a:t>10/17/2017</a:t>
+              <a:t>10/22/2017</a:t>
             </a:fld>
             <a:endParaRPr lang="en-US" dirty="0"/>
           </a:p>
@@ -5364,7 +5364,7 @@
               <a:pPr>
                 <a:defRPr/>
               </a:pPr>
-              <a:t>10/17/2017</a:t>
+              <a:t>10/22/2017</a:t>
             </a:fld>
             <a:endParaRPr lang="en-US" dirty="0"/>
           </a:p>
@@ -5486,7 +5486,7 @@
               <a:pPr>
                 <a:defRPr/>
               </a:pPr>
-              <a:t>10/17/2017</a:t>
+              <a:t>10/22/2017</a:t>
             </a:fld>
             <a:endParaRPr lang="en-US" dirty="0"/>
           </a:p>
@@ -5788,7 +5788,7 @@
               <a:pPr>
                 <a:defRPr/>
               </a:pPr>
-              <a:t>10/17/2017</a:t>
+              <a:t>10/22/2017</a:t>
             </a:fld>
             <a:endParaRPr lang="en-US" dirty="0"/>
           </a:p>
@@ -6101,7 +6101,7 @@
               <a:pPr>
                 <a:defRPr/>
               </a:pPr>
-              <a:t>10/17/2017</a:t>
+              <a:t>10/22/2017</a:t>
             </a:fld>
             <a:endParaRPr lang="en-US" dirty="0"/>
           </a:p>
@@ -6415,7 +6415,7 @@
               <a:pPr>
                 <a:defRPr/>
               </a:pPr>
-              <a:t>10/17/2017</a:t>
+              <a:t>10/22/2017</a:t>
             </a:fld>
             <a:endParaRPr lang="en-US" dirty="0"/>
           </a:p>
@@ -10471,7 +10471,7 @@
           <a:p>
             <a:r>
               <a:rPr lang="en-CA" altLang="en-US" dirty="0"/>
-              <a:t>Materials (USB flash drive)</a:t>
+              <a:t>Materials (Google drive)</a:t>
             </a:r>
           </a:p>
         </p:txBody>

--- a/Disused code/Misc/DLM_DFO/Lectures/1 Introduction/L1a Foreword.pptx
+++ b/Disused code/Misc/DLM_DFO/Lectures/1 Introduction/L1a Foreword.pptx
@@ -369,7 +369,7 @@
               <a:pPr>
                 <a:defRPr/>
               </a:pPr>
-              <a:t>10/22/2017</a:t>
+              <a:t>10/31/2017</a:t>
             </a:fld>
             <a:endParaRPr lang="en-US" dirty="0"/>
           </a:p>
@@ -744,7 +744,7 @@
               <a:pPr>
                 <a:defRPr/>
               </a:pPr>
-              <a:t>10/22/2017</a:t>
+              <a:t>10/31/2017</a:t>
             </a:fld>
             <a:endParaRPr lang="en-US" dirty="0"/>
           </a:p>
@@ -1027,7 +1027,7 @@
               <a:pPr>
                 <a:defRPr/>
               </a:pPr>
-              <a:t>10/22/2017</a:t>
+              <a:t>10/31/2017</a:t>
             </a:fld>
             <a:endParaRPr lang="en-US" dirty="0"/>
           </a:p>
@@ -1615,7 +1615,7 @@
               <a:pPr>
                 <a:defRPr/>
               </a:pPr>
-              <a:t>10/22/2017</a:t>
+              <a:t>10/31/2017</a:t>
             </a:fld>
             <a:endParaRPr lang="en-US" dirty="0"/>
           </a:p>
@@ -1900,7 +1900,7 @@
               <a:pPr>
                 <a:defRPr/>
               </a:pPr>
-              <a:t>10/22/2017</a:t>
+              <a:t>10/31/2017</a:t>
             </a:fld>
             <a:endParaRPr lang="en-US" dirty="0"/>
           </a:p>
@@ -2533,7 +2533,7 @@
               <a:pPr>
                 <a:defRPr/>
               </a:pPr>
-              <a:t>10/22/2017</a:t>
+              <a:t>10/31/2017</a:t>
             </a:fld>
             <a:endParaRPr lang="en-US" dirty="0"/>
           </a:p>
@@ -3458,7 +3458,7 @@
               <a:pPr>
                 <a:defRPr/>
               </a:pPr>
-              <a:t>10/22/2017</a:t>
+              <a:t>10/31/2017</a:t>
             </a:fld>
             <a:endParaRPr lang="en-US" dirty="0"/>
           </a:p>
@@ -3719,7 +3719,7 @@
               <a:pPr>
                 <a:defRPr/>
               </a:pPr>
-              <a:t>10/22/2017</a:t>
+              <a:t>10/31/2017</a:t>
             </a:fld>
             <a:endParaRPr lang="en-US" dirty="0"/>
           </a:p>
@@ -3990,7 +3990,7 @@
               <a:pPr>
                 <a:defRPr/>
               </a:pPr>
-              <a:t>10/22/2017</a:t>
+              <a:t>10/31/2017</a:t>
             </a:fld>
             <a:endParaRPr lang="en-US" dirty="0"/>
           </a:p>
@@ -4256,7 +4256,7 @@
               <a:pPr>
                 <a:defRPr/>
               </a:pPr>
-              <a:t>10/22/2017</a:t>
+              <a:t>10/31/2017</a:t>
             </a:fld>
             <a:endParaRPr lang="en-US" dirty="0"/>
           </a:p>
@@ -4540,7 +4540,7 @@
               <a:pPr>
                 <a:defRPr/>
               </a:pPr>
-              <a:t>10/22/2017</a:t>
+              <a:t>10/31/2017</a:t>
             </a:fld>
             <a:endParaRPr lang="en-US" dirty="0"/>
           </a:p>
@@ -4799,7 +4799,7 @@
               <a:pPr>
                 <a:defRPr/>
               </a:pPr>
-              <a:t>10/22/2017</a:t>
+              <a:t>10/31/2017</a:t>
             </a:fld>
             <a:endParaRPr lang="en-US" dirty="0"/>
           </a:p>
@@ -5219,7 +5219,7 @@
               <a:pPr>
                 <a:defRPr/>
               </a:pPr>
-              <a:t>10/22/2017</a:t>
+              <a:t>10/31/2017</a:t>
             </a:fld>
             <a:endParaRPr lang="en-US" dirty="0"/>
           </a:p>
@@ -5364,7 +5364,7 @@
               <a:pPr>
                 <a:defRPr/>
               </a:pPr>
-              <a:t>10/22/2017</a:t>
+              <a:t>10/31/2017</a:t>
             </a:fld>
             <a:endParaRPr lang="en-US" dirty="0"/>
           </a:p>
@@ -5486,7 +5486,7 @@
               <a:pPr>
                 <a:defRPr/>
               </a:pPr>
-              <a:t>10/22/2017</a:t>
+              <a:t>10/31/2017</a:t>
             </a:fld>
             <a:endParaRPr lang="en-US" dirty="0"/>
           </a:p>
@@ -5788,7 +5788,7 @@
               <a:pPr>
                 <a:defRPr/>
               </a:pPr>
-              <a:t>10/22/2017</a:t>
+              <a:t>10/31/2017</a:t>
             </a:fld>
             <a:endParaRPr lang="en-US" dirty="0"/>
           </a:p>
@@ -6101,7 +6101,7 @@
               <a:pPr>
                 <a:defRPr/>
               </a:pPr>
-              <a:t>10/22/2017</a:t>
+              <a:t>10/31/2017</a:t>
             </a:fld>
             <a:endParaRPr lang="en-US" dirty="0"/>
           </a:p>
@@ -6415,7 +6415,7 @@
               <a:pPr>
                 <a:defRPr/>
               </a:pPr>
-              <a:t>10/22/2017</a:t>
+              <a:t>10/31/2017</a:t>
             </a:fld>
             <a:endParaRPr lang="en-US" dirty="0"/>
           </a:p>
@@ -7070,7 +7070,7 @@
                   <a:srgbClr val="27AFE5"/>
                 </a:solidFill>
               </a:rPr>
-              <a:t>Data-Limited Fisheries Toolkit </a:t>
+              <a:t>Data-Limited Methods Toolkit </a:t>
             </a:r>
           </a:p>
         </p:txBody>
